--- a/2012182039정홍래.pptx
+++ b/2012182039정홍래.pptx
@@ -5,22 +5,19 @@
     <p:sldMasterId id="2147483648" r:id="rId2"/>
   </p:sldMasterIdLst>
   <p:notesMasterIdLst>
-    <p:notesMasterId r:id="rId13"/>
+    <p:notesMasterId r:id="rId10"/>
   </p:notesMasterIdLst>
   <p:handoutMasterIdLst>
-    <p:handoutMasterId r:id="rId14"/>
+    <p:handoutMasterId r:id="rId11"/>
   </p:handoutMasterIdLst>
   <p:sldIdLst>
     <p:sldId id="265" r:id="rId3"/>
     <p:sldId id="273" r:id="rId4"/>
     <p:sldId id="264" r:id="rId5"/>
-    <p:sldId id="277" r:id="rId6"/>
-    <p:sldId id="281" r:id="rId7"/>
-    <p:sldId id="258" r:id="rId8"/>
-    <p:sldId id="279" r:id="rId9"/>
-    <p:sldId id="282" r:id="rId10"/>
-    <p:sldId id="260" r:id="rId11"/>
-    <p:sldId id="267" r:id="rId12"/>
+    <p:sldId id="258" r:id="rId6"/>
+    <p:sldId id="279" r:id="rId7"/>
+    <p:sldId id="260" r:id="rId8"/>
+    <p:sldId id="282" r:id="rId9"/>
   </p:sldIdLst>
   <p:sldSz cx="12192000" cy="6858000"/>
   <p:notesSz cx="6858000" cy="9144000"/>
@@ -130,6 +127,10 @@
 </p:presentation>
 </file>
 
+<file path=ppt/revisionInfo.xml><?xml version="1.0" encoding="utf-8"?>
+<p1510:revInfo xmlns:a="http://schemas.openxmlformats.org/drawingml/2006/main" xmlns:r="http://schemas.openxmlformats.org/officeDocument/2006/relationships" xmlns:p1510="http://schemas.microsoft.com/office/powerpoint/2015/10/main"/>
+</file>
+
 <file path=ppt/handoutMasters/handoutMaster1.xml><?xml version="1.0" encoding="utf-8"?>
 <p:handoutMaster xmlns:a="http://schemas.openxmlformats.org/drawingml/2006/main" xmlns:r="http://schemas.openxmlformats.org/officeDocument/2006/relationships" xmlns:p="http://schemas.openxmlformats.org/presentationml/2006/main">
   <p:cSld>
@@ -212,7 +213,7 @@
           <a:p>
             <a:fld id="{20EA5F0D-C1DC-412F-A146-DDB3A74B588F}" type="datetimeFigureOut">
               <a:rPr lang="en-US" altLang="ko-KR"/>
-              <a:t>10/17/2017</a:t>
+              <a:t>11/22/2017</a:t>
             </a:fld>
             <a:endParaRPr lang="ko-KR"/>
           </a:p>
@@ -376,7 +377,7 @@
           </a:lstStyle>
           <a:p>
             <a:fld id="{A8CDE508-72C8-4AB5-AA9C-1584D31690E0}" type="datetimeFigureOut">
-              <a:t>2017-10-17</a:t>
+              <a:t>2017-11-22</a:t>
             </a:fld>
             <a:endParaRPr lang="ko-KR"/>
           </a:p>
@@ -1261,7 +1262,7 @@
             <a:pPr latinLnBrk="1"/>
             <a:fld id="{9E583DDF-CA54-461A-A486-592D2374C532}" type="datetimeFigureOut">
               <a:pPr latinLnBrk="1"/>
-              <a:t>2017-10-17</a:t>
+              <a:t>2017-11-22</a:t>
             </a:fld>
             <a:endParaRPr lang="ko-KR"/>
           </a:p>
@@ -1635,7 +1636,7 @@
           <a:lstStyle/>
           <a:p>
             <a:fld id="{9E583DDF-CA54-461A-A486-592D2374C532}" type="datetimeFigureOut">
-              <a:t>2017-10-17</a:t>
+              <a:t>2017-11-22</a:t>
             </a:fld>
             <a:endParaRPr lang="ko-KR"/>
           </a:p>
@@ -1815,7 +1816,7 @@
           <a:lstStyle/>
           <a:p>
             <a:fld id="{9E583DDF-CA54-461A-A486-592D2374C532}" type="datetimeFigureOut">
-              <a:t>2017-10-17</a:t>
+              <a:t>2017-11-22</a:t>
             </a:fld>
             <a:endParaRPr lang="ko-KR"/>
           </a:p>
@@ -2005,7 +2006,7 @@
           <a:lstStyle/>
           <a:p>
             <a:fld id="{9E583DDF-CA54-461A-A486-592D2374C532}" type="datetimeFigureOut">
-              <a:t>2017-10-17</a:t>
+              <a:t>2017-11-22</a:t>
             </a:fld>
             <a:endParaRPr lang="ko-KR"/>
           </a:p>
@@ -2189,7 +2190,7 @@
           <a:lstStyle/>
           <a:p>
             <a:fld id="{9E583DDF-CA54-461A-A486-592D2374C532}" type="datetimeFigureOut">
-              <a:t>2017-10-17</a:t>
+              <a:t>2017-11-22</a:t>
             </a:fld>
             <a:endParaRPr lang="ko-KR"/>
           </a:p>
@@ -2571,7 +2572,7 @@
           <a:lstStyle/>
           <a:p>
             <a:fld id="{9E583DDF-CA54-461A-A486-592D2374C532}" type="datetimeFigureOut">
-              <a:t>2017-10-17</a:t>
+              <a:t>2017-11-22</a:t>
             </a:fld>
             <a:endParaRPr lang="ko-KR"/>
           </a:p>
@@ -2851,7 +2852,7 @@
             <a:pPr latinLnBrk="1"/>
             <a:fld id="{9E583DDF-CA54-461A-A486-592D2374C532}" type="datetimeFigureOut">
               <a:pPr latinLnBrk="1"/>
-              <a:t>2017-10-17</a:t>
+              <a:t>2017-11-22</a:t>
             </a:fld>
             <a:endParaRPr lang="ko-KR"/>
           </a:p>
@@ -3170,7 +3171,7 @@
           <a:lstStyle/>
           <a:p>
             <a:fld id="{9DD7D43D-6574-4C7B-808D-C6C12215A4D4}" type="datetimeFigureOut">
-              <a:t>2017-10-17</a:t>
+              <a:t>2017-11-22</a:t>
             </a:fld>
             <a:endParaRPr lang="ko-KR"/>
           </a:p>
@@ -3617,7 +3618,7 @@
           <a:lstStyle/>
           <a:p>
             <a:fld id="{9E583DDF-CA54-461A-A486-592D2374C532}" type="datetimeFigureOut">
-              <a:t>2017-10-17</a:t>
+              <a:t>2017-11-22</a:t>
             </a:fld>
             <a:endParaRPr lang="ko-KR"/>
           </a:p>
@@ -3745,7 +3746,7 @@
           <a:lstStyle/>
           <a:p>
             <a:fld id="{9E583DDF-CA54-461A-A486-592D2374C532}" type="datetimeFigureOut">
-              <a:t>2017-10-17</a:t>
+              <a:t>2017-11-22</a:t>
             </a:fld>
             <a:endParaRPr lang="ko-KR"/>
           </a:p>
@@ -3860,7 +3861,7 @@
             <a:pPr latinLnBrk="1"/>
             <a:fld id="{9E583DDF-CA54-461A-A486-592D2374C532}" type="datetimeFigureOut">
               <a:pPr latinLnBrk="1"/>
-              <a:t>2017-10-17</a:t>
+              <a:t>2017-11-22</a:t>
             </a:fld>
             <a:endParaRPr lang="ko-KR"/>
           </a:p>
@@ -4173,7 +4174,7 @@
           <a:lstStyle/>
           <a:p>
             <a:fld id="{9E583DDF-CA54-461A-A486-592D2374C532}" type="datetimeFigureOut">
-              <a:t>2017-10-17</a:t>
+              <a:t>2017-11-22</a:t>
             </a:fld>
             <a:endParaRPr lang="ko-KR"/>
           </a:p>
@@ -4538,7 +4539,7 @@
             <a:pPr latinLnBrk="1"/>
             <a:fld id="{9E583DDF-CA54-461A-A486-592D2374C532}" type="datetimeFigureOut">
               <a:pPr latinLnBrk="1"/>
-              <a:t>2017-10-17</a:t>
+              <a:t>2017-11-22</a:t>
             </a:fld>
             <a:endParaRPr lang="ko-KR"/>
           </a:p>
@@ -5080,174 +5081,6 @@
 </p:sld>
 </file>
 
-<file path=ppt/slides/slide10.xml><?xml version="1.0" encoding="utf-8"?>
-<p:sld xmlns:a="http://schemas.openxmlformats.org/drawingml/2006/main" xmlns:r="http://schemas.openxmlformats.org/officeDocument/2006/relationships" xmlns:p="http://schemas.openxmlformats.org/presentationml/2006/main">
-  <p:cSld>
-    <p:spTree>
-      <p:nvGrpSpPr>
-        <p:cNvPr id="1" name=""/>
-        <p:cNvGrpSpPr/>
-        <p:nvPr/>
-      </p:nvGrpSpPr>
-      <p:grpSpPr>
-        <a:xfrm>
-          <a:off x="0" y="0"/>
-          <a:ext cx="0" cy="0"/>
-          <a:chOff x="0" y="0"/>
-          <a:chExt cx="0" cy="0"/>
-        </a:xfrm>
-      </p:grpSpPr>
-      <p:sp>
-        <p:nvSpPr>
-          <p:cNvPr id="4" name="제목 3"/>
-          <p:cNvSpPr>
-            <a:spLocks noGrp="1"/>
-          </p:cNvSpPr>
-          <p:nvPr>
-            <p:ph type="title"/>
-          </p:nvPr>
-        </p:nvSpPr>
-        <p:spPr>
-          <a:xfrm>
-            <a:off x="1522413" y="337657"/>
-            <a:ext cx="9144000" cy="870358"/>
-          </a:xfrm>
-        </p:spPr>
-        <p:txBody>
-          <a:bodyPr/>
-          <a:lstStyle/>
-          <a:p>
-            <a:r>
-              <a:rPr lang="ko-KR" altLang="en-US" dirty="0"/>
-              <a:t>출처</a:t>
-            </a:r>
-            <a:endParaRPr lang="ko-KR" dirty="0"/>
-          </a:p>
-        </p:txBody>
-      </p:sp>
-      <p:sp>
-        <p:nvSpPr>
-          <p:cNvPr id="5" name="텍스트 개체 틀 4"/>
-          <p:cNvSpPr>
-            <a:spLocks noGrp="1"/>
-          </p:cNvSpPr>
-          <p:nvPr>
-            <p:ph type="body" idx="1"/>
-          </p:nvPr>
-        </p:nvSpPr>
-        <p:spPr>
-          <a:xfrm>
-            <a:off x="1522413" y="1628862"/>
-            <a:ext cx="9144000" cy="1143000"/>
-          </a:xfrm>
-        </p:spPr>
-        <p:txBody>
-          <a:bodyPr/>
-          <a:lstStyle/>
-          <a:p>
-            <a:r>
-              <a:rPr lang="en-US" altLang="ko-KR" dirty="0">
-                <a:hlinkClick r:id="rId2"/>
-              </a:rPr>
-              <a:t>http://egloos.zum.com/mlkangho/v/11026765</a:t>
-            </a:r>
-            <a:r>
-              <a:rPr lang="en-US" altLang="ko-KR" dirty="0"/>
-              <a:t>(</a:t>
-            </a:r>
-            <a:r>
-              <a:rPr lang="ko-KR" altLang="en-US" dirty="0"/>
-              <a:t>사진</a:t>
-            </a:r>
-            <a:r>
-              <a:rPr lang="en-US" altLang="ko-KR" dirty="0"/>
-              <a:t>)</a:t>
-            </a:r>
-          </a:p>
-          <a:p>
-            <a:r>
-              <a:rPr lang="en-US" altLang="ko-KR" dirty="0">
-                <a:hlinkClick r:id="rId3"/>
-              </a:rPr>
-              <a:t>http://indiside.com/game_pr/1382749#!prettyPhoto</a:t>
-            </a:r>
-            <a:r>
-              <a:rPr lang="en-US" altLang="ko-KR" dirty="0"/>
-              <a:t>(</a:t>
-            </a:r>
-            <a:r>
-              <a:rPr lang="ko-KR" altLang="en-US" dirty="0"/>
-              <a:t>사진</a:t>
-            </a:r>
-            <a:r>
-              <a:rPr lang="en-US" altLang="ko-KR" dirty="0"/>
-              <a:t>)</a:t>
-            </a:r>
-            <a:endParaRPr lang="ko-KR" dirty="0"/>
-          </a:p>
-        </p:txBody>
-      </p:sp>
-      <p:pic>
-        <p:nvPicPr>
-          <p:cNvPr id="7" name="그림 6">
-            <a:extLst>
-              <a:ext uri="{FF2B5EF4-FFF2-40B4-BE49-F238E27FC236}">
-                <a16:creationId xmlns:a16="http://schemas.microsoft.com/office/drawing/2014/main" id="{5F6F7DAF-845B-4F6C-8BA1-0B9ADBD56653}"/>
-              </a:ext>
-            </a:extLst>
-          </p:cNvPr>
-          <p:cNvPicPr>
-            <a:picLocks noChangeAspect="1"/>
-          </p:cNvPicPr>
-          <p:nvPr/>
-        </p:nvPicPr>
-        <p:blipFill>
-          <a:blip r:embed="rId4">
-            <a:extLst>
-              <a:ext uri="{28A0092B-C50C-407E-A947-70E740481C1C}">
-                <a14:useLocalDpi xmlns:a14="http://schemas.microsoft.com/office/drawing/2010/main" val="0"/>
-              </a:ext>
-            </a:extLst>
-          </a:blip>
-          <a:stretch>
-            <a:fillRect/>
-          </a:stretch>
-        </p:blipFill>
-        <p:spPr>
-          <a:xfrm>
-            <a:off x="10911729" y="6292813"/>
-            <a:ext cx="1280271" cy="312447"/>
-          </a:xfrm>
-          <a:prstGeom prst="rect">
-            <a:avLst/>
-          </a:prstGeom>
-        </p:spPr>
-      </p:pic>
-    </p:spTree>
-    <p:extLst>
-      <p:ext uri="{BB962C8B-B14F-4D97-AF65-F5344CB8AC3E}">
-        <p14:creationId xmlns:p14="http://schemas.microsoft.com/office/powerpoint/2010/main" val="1511206867"/>
-      </p:ext>
-    </p:extLst>
-  </p:cSld>
-  <p:clrMapOvr>
-    <a:masterClrMapping/>
-  </p:clrMapOvr>
-  <mc:AlternateContent xmlns:mc="http://schemas.openxmlformats.org/markup-compatibility/2006" xmlns:p14="http://schemas.microsoft.com/office/powerpoint/2010/main">
-    <mc:Choice Requires="p14">
-      <p:transition spd="med" p14:dur="700">
-        <p:fade/>
-      </p:transition>
-    </mc:Choice>
-    <mc:Fallback xmlns="">
-      <p:transition spd="med">
-        <p:fade/>
-      </p:transition>
-    </mc:Fallback>
-  </mc:AlternateContent>
-</p:sld>
-</file>
-
 <file path=ppt/slides/slide2.xml><?xml version="1.0" encoding="utf-8"?>
 <p:sld xmlns:a="http://schemas.openxmlformats.org/drawingml/2006/main" xmlns:r="http://schemas.openxmlformats.org/officeDocument/2006/relationships" xmlns:p="http://schemas.openxmlformats.org/presentationml/2006/main">
   <p:cSld>
@@ -5318,27 +5151,47 @@
           <a:p>
             <a:r>
               <a:rPr lang="ko-KR" altLang="en-US" dirty="0"/>
-              <a:t>예상 게임 흐름</a:t>
-            </a:r>
-            <a:endParaRPr lang="en-US" altLang="ko-KR" dirty="0"/>
-          </a:p>
-          <a:p>
-            <a:endParaRPr lang="ko-KR" dirty="0"/>
-          </a:p>
-          <a:p>
-            <a:r>
-              <a:rPr lang="ko-KR" altLang="en-US" dirty="0"/>
               <a:t>개발 범위</a:t>
             </a:r>
             <a:endParaRPr lang="en-US" altLang="ko-KR" dirty="0"/>
           </a:p>
           <a:p>
-            <a:endParaRPr lang="en-US" altLang="ko-KR" dirty="0"/>
+            <a:endParaRPr lang="ko-KR" dirty="0"/>
           </a:p>
           <a:p>
             <a:r>
               <a:rPr lang="ko-KR" altLang="en-US" dirty="0"/>
-              <a:t>개발 일정</a:t>
+              <a:t>개발 </a:t>
+            </a:r>
+            <a:r>
+              <a:rPr lang="en-US" altLang="ko-KR" dirty="0"/>
+              <a:t>	</a:t>
+            </a:r>
+            <a:r>
+              <a:rPr lang="ko-KR" altLang="en-US" dirty="0"/>
+              <a:t>계획 대비 현재 진행 상황</a:t>
+            </a:r>
+            <a:endParaRPr lang="en-US" altLang="ko-KR" dirty="0"/>
+          </a:p>
+          <a:p>
+            <a:endParaRPr lang="en-US" altLang="ko-KR" dirty="0"/>
+          </a:p>
+          <a:p>
+            <a:r>
+              <a:rPr lang="en-US" altLang="ko-KR" dirty="0" err="1"/>
+              <a:t>Github</a:t>
+            </a:r>
+            <a:r>
+              <a:rPr lang="ko-KR" altLang="en-US" dirty="0"/>
+              <a:t> </a:t>
+            </a:r>
+            <a:r>
+              <a:rPr lang="en-US" altLang="ko-KR" dirty="0"/>
+              <a:t>commit</a:t>
+            </a:r>
+            <a:r>
+              <a:rPr lang="ko-KR" altLang="en-US" dirty="0"/>
+              <a:t> 페이지</a:t>
             </a:r>
             <a:endParaRPr lang="ko-KR" dirty="0"/>
           </a:p>
@@ -5703,1277 +5556,6 @@
           <a:chExt cx="0" cy="0"/>
         </a:xfrm>
       </p:grpSpPr>
-      <p:sp>
-        <p:nvSpPr>
-          <p:cNvPr id="2" name="제목 1"/>
-          <p:cNvSpPr>
-            <a:spLocks noGrp="1"/>
-          </p:cNvSpPr>
-          <p:nvPr>
-            <p:ph type="title"/>
-          </p:nvPr>
-        </p:nvSpPr>
-        <p:spPr>
-          <a:xfrm>
-            <a:off x="670000" y="341526"/>
-            <a:ext cx="9509760" cy="648376"/>
-          </a:xfrm>
-        </p:spPr>
-        <p:txBody>
-          <a:bodyPr/>
-          <a:lstStyle/>
-          <a:p>
-            <a:r>
-              <a:rPr lang="ko-KR" altLang="en-US" dirty="0"/>
-              <a:t>게임 공통 흐름 예시</a:t>
-            </a:r>
-            <a:endParaRPr lang="ko-KR" dirty="0"/>
-          </a:p>
-        </p:txBody>
-      </p:sp>
-      <p:pic>
-        <p:nvPicPr>
-          <p:cNvPr id="4" name="그림 3">
-            <a:extLst>
-              <a:ext uri="{FF2B5EF4-FFF2-40B4-BE49-F238E27FC236}">
-                <a16:creationId xmlns:a16="http://schemas.microsoft.com/office/drawing/2014/main" id="{A5C14390-FB04-468C-849B-977AE77550BD}"/>
-              </a:ext>
-            </a:extLst>
-          </p:cNvPr>
-          <p:cNvPicPr>
-            <a:picLocks noChangeAspect="1"/>
-          </p:cNvPicPr>
-          <p:nvPr/>
-        </p:nvPicPr>
-        <p:blipFill>
-          <a:blip r:embed="rId2">
-            <a:extLst>
-              <a:ext uri="{28A0092B-C50C-407E-A947-70E740481C1C}">
-                <a14:useLocalDpi xmlns:a14="http://schemas.microsoft.com/office/drawing/2010/main" val="0"/>
-              </a:ext>
-            </a:extLst>
-          </a:blip>
-          <a:stretch>
-            <a:fillRect/>
-          </a:stretch>
-        </p:blipFill>
-        <p:spPr>
-          <a:xfrm>
-            <a:off x="10911729" y="6292813"/>
-            <a:ext cx="1280271" cy="312447"/>
-          </a:xfrm>
-          <a:prstGeom prst="rect">
-            <a:avLst/>
-          </a:prstGeom>
-        </p:spPr>
-      </p:pic>
-      <p:pic>
-        <p:nvPicPr>
-          <p:cNvPr id="7" name="내용 개체 틀 6">
-            <a:extLst>
-              <a:ext uri="{FF2B5EF4-FFF2-40B4-BE49-F238E27FC236}">
-                <a16:creationId xmlns:a16="http://schemas.microsoft.com/office/drawing/2014/main" id="{B8C0CB30-19B1-46AF-A9DF-AD0961292833}"/>
-              </a:ext>
-            </a:extLst>
-          </p:cNvPr>
-          <p:cNvPicPr>
-            <a:picLocks noGrp="1" noChangeAspect="1"/>
-          </p:cNvPicPr>
-          <p:nvPr>
-            <p:ph idx="1"/>
-          </p:nvPr>
-        </p:nvPicPr>
-        <p:blipFill>
-          <a:blip r:embed="rId3">
-            <a:extLst>
-              <a:ext uri="{28A0092B-C50C-407E-A947-70E740481C1C}">
-                <a14:useLocalDpi xmlns:a14="http://schemas.microsoft.com/office/drawing/2010/main" val="0"/>
-              </a:ext>
-            </a:extLst>
-          </a:blip>
-          <a:stretch>
-            <a:fillRect/>
-          </a:stretch>
-        </p:blipFill>
-        <p:spPr>
-          <a:xfrm>
-            <a:off x="459655" y="1155351"/>
-            <a:ext cx="5230971" cy="2795864"/>
-          </a:xfrm>
-        </p:spPr>
-      </p:pic>
-      <p:pic>
-        <p:nvPicPr>
-          <p:cNvPr id="8" name="내용 개체 틀 6">
-            <a:extLst>
-              <a:ext uri="{FF2B5EF4-FFF2-40B4-BE49-F238E27FC236}">
-                <a16:creationId xmlns:a16="http://schemas.microsoft.com/office/drawing/2014/main" id="{01C9B0FE-A44D-4C99-BC0E-37910AECE72E}"/>
-              </a:ext>
-            </a:extLst>
-          </p:cNvPr>
-          <p:cNvPicPr>
-            <a:picLocks noChangeAspect="1"/>
-          </p:cNvPicPr>
-          <p:nvPr/>
-        </p:nvPicPr>
-        <p:blipFill>
-          <a:blip r:embed="rId3">
-            <a:extLst>
-              <a:ext uri="{28A0092B-C50C-407E-A947-70E740481C1C}">
-                <a14:useLocalDpi xmlns:a14="http://schemas.microsoft.com/office/drawing/2010/main" val="0"/>
-              </a:ext>
-            </a:extLst>
-          </a:blip>
-          <a:stretch>
-            <a:fillRect/>
-          </a:stretch>
-        </p:blipFill>
-        <p:spPr>
-          <a:xfrm>
-            <a:off x="6697209" y="1155351"/>
-            <a:ext cx="5230972" cy="2795864"/>
-          </a:xfrm>
-          <a:prstGeom prst="rect">
-            <a:avLst/>
-          </a:prstGeom>
-        </p:spPr>
-      </p:pic>
-      <p:sp>
-        <p:nvSpPr>
-          <p:cNvPr id="10" name="TextBox 9">
-            <a:extLst>
-              <a:ext uri="{FF2B5EF4-FFF2-40B4-BE49-F238E27FC236}">
-                <a16:creationId xmlns:a16="http://schemas.microsoft.com/office/drawing/2014/main" id="{3B20A4E3-52E9-4591-8872-8F0BF2FE0A45}"/>
-              </a:ext>
-            </a:extLst>
-          </p:cNvPr>
-          <p:cNvSpPr txBox="1"/>
-          <p:nvPr/>
-        </p:nvSpPr>
-        <p:spPr>
-          <a:xfrm>
-            <a:off x="1635293" y="4009936"/>
-            <a:ext cx="2483141" cy="400110"/>
-          </a:xfrm>
-          <a:prstGeom prst="rect">
-            <a:avLst/>
-          </a:prstGeom>
-          <a:noFill/>
-        </p:spPr>
-        <p:txBody>
-          <a:bodyPr wrap="square" rtlCol="0">
-            <a:spAutoFit/>
-          </a:bodyPr>
-          <a:lstStyle/>
-          <a:p>
-            <a:r>
-              <a:rPr lang="en-US" altLang="ko-KR" sz="2000" dirty="0">
-                <a:effectLst>
-                  <a:outerShdw blurRad="38100" dist="38100" dir="2700000" algn="tl">
-                    <a:srgbClr val="000000">
-                      <a:alpha val="43137"/>
-                    </a:srgbClr>
-                  </a:outerShdw>
-                </a:effectLst>
-              </a:rPr>
-              <a:t>     &lt;  </a:t>
-            </a:r>
-            <a:r>
-              <a:rPr lang="ko-KR" altLang="en-US" sz="2000" dirty="0">
-                <a:effectLst>
-                  <a:outerShdw blurRad="38100" dist="38100" dir="2700000" algn="tl">
-                    <a:srgbClr val="000000">
-                      <a:alpha val="43137"/>
-                    </a:srgbClr>
-                  </a:outerShdw>
-                </a:effectLst>
-              </a:rPr>
-              <a:t>배고픔 관리 </a:t>
-            </a:r>
-            <a:r>
-              <a:rPr lang="en-US" altLang="ko-KR" sz="2000" dirty="0">
-                <a:effectLst>
-                  <a:outerShdw blurRad="38100" dist="38100" dir="2700000" algn="tl">
-                    <a:srgbClr val="000000">
-                      <a:alpha val="43137"/>
-                    </a:srgbClr>
-                  </a:outerShdw>
-                </a:effectLst>
-              </a:rPr>
-              <a:t>&gt;</a:t>
-            </a:r>
-            <a:endParaRPr lang="ko-KR" altLang="en-US" sz="2000" dirty="0">
-              <a:effectLst>
-                <a:outerShdw blurRad="38100" dist="38100" dir="2700000" algn="tl">
-                  <a:srgbClr val="000000">
-                    <a:alpha val="43137"/>
-                  </a:srgbClr>
-                </a:outerShdw>
-              </a:effectLst>
-            </a:endParaRPr>
-          </a:p>
-        </p:txBody>
-      </p:sp>
-      <p:sp>
-        <p:nvSpPr>
-          <p:cNvPr id="12" name="TextBox 11">
-            <a:extLst>
-              <a:ext uri="{FF2B5EF4-FFF2-40B4-BE49-F238E27FC236}">
-                <a16:creationId xmlns:a16="http://schemas.microsoft.com/office/drawing/2014/main" id="{E1DCACF5-124C-48DE-84EF-E313020F91A5}"/>
-              </a:ext>
-            </a:extLst>
-          </p:cNvPr>
-          <p:cNvSpPr txBox="1"/>
-          <p:nvPr/>
-        </p:nvSpPr>
-        <p:spPr>
-          <a:xfrm>
-            <a:off x="7660064" y="3993159"/>
-            <a:ext cx="3305262" cy="400110"/>
-          </a:xfrm>
-          <a:prstGeom prst="rect">
-            <a:avLst/>
-          </a:prstGeom>
-          <a:noFill/>
-        </p:spPr>
-        <p:txBody>
-          <a:bodyPr wrap="square" rtlCol="0">
-            <a:spAutoFit/>
-          </a:bodyPr>
-          <a:lstStyle/>
-          <a:p>
-            <a:r>
-              <a:rPr lang="en-US" altLang="ko-KR" sz="2000" dirty="0">
-                <a:effectLst>
-                  <a:outerShdw blurRad="38100" dist="38100" dir="2700000" algn="tl">
-                    <a:srgbClr val="000000">
-                      <a:alpha val="43137"/>
-                    </a:srgbClr>
-                  </a:outerShdw>
-                </a:effectLst>
-              </a:rPr>
-              <a:t>     &lt;  </a:t>
-            </a:r>
-            <a:r>
-              <a:rPr lang="ko-KR" altLang="en-US" sz="2000" dirty="0">
-                <a:effectLst>
-                  <a:outerShdw blurRad="38100" dist="38100" dir="2700000" algn="tl">
-                    <a:srgbClr val="000000">
-                      <a:alpha val="43137"/>
-                    </a:srgbClr>
-                  </a:outerShdw>
-                </a:effectLst>
-              </a:rPr>
-              <a:t>야생동물에게서 생존 </a:t>
-            </a:r>
-            <a:r>
-              <a:rPr lang="en-US" altLang="ko-KR" sz="2000" dirty="0">
-                <a:effectLst>
-                  <a:outerShdw blurRad="38100" dist="38100" dir="2700000" algn="tl">
-                    <a:srgbClr val="000000">
-                      <a:alpha val="43137"/>
-                    </a:srgbClr>
-                  </a:outerShdw>
-                </a:effectLst>
-              </a:rPr>
-              <a:t>&gt;</a:t>
-            </a:r>
-            <a:endParaRPr lang="ko-KR" altLang="en-US" sz="2000" dirty="0">
-              <a:effectLst>
-                <a:outerShdw blurRad="38100" dist="38100" dir="2700000" algn="tl">
-                  <a:srgbClr val="000000">
-                    <a:alpha val="43137"/>
-                  </a:srgbClr>
-                </a:outerShdw>
-              </a:effectLst>
-            </a:endParaRPr>
-          </a:p>
-        </p:txBody>
-      </p:sp>
-      <p:pic>
-        <p:nvPicPr>
-          <p:cNvPr id="15" name="그림 14">
-            <a:extLst>
-              <a:ext uri="{FF2B5EF4-FFF2-40B4-BE49-F238E27FC236}">
-                <a16:creationId xmlns:a16="http://schemas.microsoft.com/office/drawing/2014/main" id="{FFD29F26-3A34-4FFF-927E-E377167D944D}"/>
-              </a:ext>
-            </a:extLst>
-          </p:cNvPr>
-          <p:cNvPicPr>
-            <a:picLocks noChangeAspect="1"/>
-          </p:cNvPicPr>
-          <p:nvPr/>
-        </p:nvPicPr>
-        <p:blipFill>
-          <a:blip r:embed="rId4">
-            <a:extLst>
-              <a:ext uri="{28A0092B-C50C-407E-A947-70E740481C1C}">
-                <a14:useLocalDpi xmlns:a14="http://schemas.microsoft.com/office/drawing/2010/main" val="0"/>
-              </a:ext>
-            </a:extLst>
-          </a:blip>
-          <a:stretch>
-            <a:fillRect/>
-          </a:stretch>
-        </p:blipFill>
-        <p:spPr>
-          <a:xfrm>
-            <a:off x="441457" y="1584331"/>
-            <a:ext cx="2387671" cy="428980"/>
-          </a:xfrm>
-          <a:prstGeom prst="rect">
-            <a:avLst/>
-          </a:prstGeom>
-        </p:spPr>
-      </p:pic>
-      <p:pic>
-        <p:nvPicPr>
-          <p:cNvPr id="17" name="그림 16">
-            <a:extLst>
-              <a:ext uri="{FF2B5EF4-FFF2-40B4-BE49-F238E27FC236}">
-                <a16:creationId xmlns:a16="http://schemas.microsoft.com/office/drawing/2014/main" id="{5E7995B0-90CF-4EBD-9A81-A667734F233B}"/>
-              </a:ext>
-            </a:extLst>
-          </p:cNvPr>
-          <p:cNvPicPr>
-            <a:picLocks noChangeAspect="1"/>
-          </p:cNvPicPr>
-          <p:nvPr/>
-        </p:nvPicPr>
-        <p:blipFill>
-          <a:blip r:embed="rId5">
-            <a:extLst>
-              <a:ext uri="{28A0092B-C50C-407E-A947-70E740481C1C}">
-                <a14:useLocalDpi xmlns:a14="http://schemas.microsoft.com/office/drawing/2010/main" val="0"/>
-              </a:ext>
-            </a:extLst>
-          </a:blip>
-          <a:stretch>
-            <a:fillRect/>
-          </a:stretch>
-        </p:blipFill>
-        <p:spPr>
-          <a:xfrm>
-            <a:off x="6697209" y="1162366"/>
-            <a:ext cx="3077862" cy="421965"/>
-          </a:xfrm>
-          <a:prstGeom prst="rect">
-            <a:avLst/>
-          </a:prstGeom>
-        </p:spPr>
-      </p:pic>
-      <p:sp>
-        <p:nvSpPr>
-          <p:cNvPr id="22" name="화살표: 오른쪽 21">
-            <a:extLst>
-              <a:ext uri="{FF2B5EF4-FFF2-40B4-BE49-F238E27FC236}">
-                <a16:creationId xmlns:a16="http://schemas.microsoft.com/office/drawing/2014/main" id="{417D9060-1679-45E0-A74B-6ED94FE85BB2}"/>
-              </a:ext>
-            </a:extLst>
-          </p:cNvPr>
-          <p:cNvSpPr/>
-          <p:nvPr/>
-        </p:nvSpPr>
-        <p:spPr>
-          <a:xfrm rot="2437052">
-            <a:off x="3934921" y="4159603"/>
-            <a:ext cx="964734" cy="755009"/>
-          </a:xfrm>
-          <a:prstGeom prst="rightArrow">
-            <a:avLst/>
-          </a:prstGeom>
-          <a:solidFill>
-            <a:schemeClr val="accent3">
-              <a:lumMod val="50000"/>
-            </a:schemeClr>
-          </a:solidFill>
-        </p:spPr>
-        <p:style>
-          <a:lnRef idx="2">
-            <a:schemeClr val="accent1">
-              <a:shade val="50000"/>
-            </a:schemeClr>
-          </a:lnRef>
-          <a:fillRef idx="1">
-            <a:schemeClr val="accent1"/>
-          </a:fillRef>
-          <a:effectRef idx="0">
-            <a:schemeClr val="accent1"/>
-          </a:effectRef>
-          <a:fontRef idx="minor">
-            <a:schemeClr val="lt1"/>
-          </a:fontRef>
-        </p:style>
-        <p:txBody>
-          <a:bodyPr rtlCol="0" anchor="ctr"/>
-          <a:lstStyle/>
-          <a:p>
-            <a:pPr algn="ctr"/>
-            <a:endParaRPr lang="ko-KR" altLang="en-US"/>
-          </a:p>
-        </p:txBody>
-      </p:sp>
-      <p:sp>
-        <p:nvSpPr>
-          <p:cNvPr id="24" name="화살표: 오른쪽 23">
-            <a:extLst>
-              <a:ext uri="{FF2B5EF4-FFF2-40B4-BE49-F238E27FC236}">
-                <a16:creationId xmlns:a16="http://schemas.microsoft.com/office/drawing/2014/main" id="{1993570C-F4FC-4F2D-B096-DE1C30172FCD}"/>
-              </a:ext>
-            </a:extLst>
-          </p:cNvPr>
-          <p:cNvSpPr/>
-          <p:nvPr/>
-        </p:nvSpPr>
-        <p:spPr>
-          <a:xfrm rot="8307401">
-            <a:off x="6826228" y="4161470"/>
-            <a:ext cx="964734" cy="755009"/>
-          </a:xfrm>
-          <a:prstGeom prst="rightArrow">
-            <a:avLst/>
-          </a:prstGeom>
-          <a:solidFill>
-            <a:schemeClr val="accent3">
-              <a:lumMod val="50000"/>
-            </a:schemeClr>
-          </a:solidFill>
-        </p:spPr>
-        <p:style>
-          <a:lnRef idx="2">
-            <a:schemeClr val="accent1">
-              <a:shade val="50000"/>
-            </a:schemeClr>
-          </a:lnRef>
-          <a:fillRef idx="1">
-            <a:schemeClr val="accent1"/>
-          </a:fillRef>
-          <a:effectRef idx="0">
-            <a:schemeClr val="accent1"/>
-          </a:effectRef>
-          <a:fontRef idx="minor">
-            <a:schemeClr val="lt1"/>
-          </a:fontRef>
-        </p:style>
-        <p:txBody>
-          <a:bodyPr rtlCol="0" anchor="ctr"/>
-          <a:lstStyle/>
-          <a:p>
-            <a:pPr algn="ctr"/>
-            <a:endParaRPr lang="ko-KR" altLang="en-US"/>
-          </a:p>
-        </p:txBody>
-      </p:sp>
-      <p:sp>
-        <p:nvSpPr>
-          <p:cNvPr id="25" name="폭발: 8pt 24">
-            <a:extLst>
-              <a:ext uri="{FF2B5EF4-FFF2-40B4-BE49-F238E27FC236}">
-                <a16:creationId xmlns:a16="http://schemas.microsoft.com/office/drawing/2014/main" id="{ED173FE0-1B6A-4CAE-91C3-83A75B273FA3}"/>
-              </a:ext>
-            </a:extLst>
-          </p:cNvPr>
-          <p:cNvSpPr/>
-          <p:nvPr/>
-        </p:nvSpPr>
-        <p:spPr>
-          <a:xfrm>
-            <a:off x="4714953" y="4748169"/>
-            <a:ext cx="2484330" cy="1292974"/>
-          </a:xfrm>
-          <a:prstGeom prst="irregularSeal1">
-            <a:avLst/>
-          </a:prstGeom>
-        </p:spPr>
-        <p:style>
-          <a:lnRef idx="2">
-            <a:schemeClr val="accent3">
-              <a:shade val="50000"/>
-            </a:schemeClr>
-          </a:lnRef>
-          <a:fillRef idx="1">
-            <a:schemeClr val="accent3"/>
-          </a:fillRef>
-          <a:effectRef idx="0">
-            <a:schemeClr val="accent3"/>
-          </a:effectRef>
-          <a:fontRef idx="minor">
-            <a:schemeClr val="lt1"/>
-          </a:fontRef>
-        </p:style>
-        <p:txBody>
-          <a:bodyPr rtlCol="0" anchor="ctr"/>
-          <a:lstStyle/>
-          <a:p>
-            <a:pPr algn="ctr"/>
-            <a:r>
-              <a:rPr lang="ko-KR" altLang="en-US" dirty="0"/>
-              <a:t>생존</a:t>
-            </a:r>
-          </a:p>
-        </p:txBody>
-      </p:sp>
-      <p:sp>
-        <p:nvSpPr>
-          <p:cNvPr id="27" name="TextBox 26">
-            <a:extLst>
-              <a:ext uri="{FF2B5EF4-FFF2-40B4-BE49-F238E27FC236}">
-                <a16:creationId xmlns:a16="http://schemas.microsoft.com/office/drawing/2014/main" id="{0E1C3F18-B20D-4033-A308-10630796132F}"/>
-              </a:ext>
-            </a:extLst>
-          </p:cNvPr>
-          <p:cNvSpPr txBox="1"/>
-          <p:nvPr/>
-        </p:nvSpPr>
-        <p:spPr>
-          <a:xfrm>
-            <a:off x="528506" y="4748169"/>
-            <a:ext cx="3439487" cy="923330"/>
-          </a:xfrm>
-          <a:prstGeom prst="rect">
-            <a:avLst/>
-          </a:prstGeom>
-          <a:noFill/>
-        </p:spPr>
-        <p:txBody>
-          <a:bodyPr wrap="square" rtlCol="0">
-            <a:spAutoFit/>
-          </a:bodyPr>
-          <a:lstStyle/>
-          <a:p>
-            <a:r>
-              <a:rPr lang="ko-KR" altLang="en-US" dirty="0">
-                <a:solidFill>
-                  <a:srgbClr val="FF0000"/>
-                </a:solidFill>
-              </a:rPr>
-              <a:t>시간이 지남에 따라 줄어든다</a:t>
-            </a:r>
-            <a:r>
-              <a:rPr lang="en-US" altLang="ko-KR" dirty="0">
-                <a:solidFill>
-                  <a:srgbClr val="FF0000"/>
-                </a:solidFill>
-              </a:rPr>
-              <a:t>.</a:t>
-            </a:r>
-          </a:p>
-          <a:p>
-            <a:endParaRPr lang="en-US" altLang="ko-KR" dirty="0">
-              <a:solidFill>
-                <a:srgbClr val="FF0000"/>
-              </a:solidFill>
-            </a:endParaRPr>
-          </a:p>
-          <a:p>
-            <a:r>
-              <a:rPr lang="ko-KR" altLang="en-US" dirty="0">
-                <a:solidFill>
-                  <a:srgbClr val="FF0000"/>
-                </a:solidFill>
-              </a:rPr>
-              <a:t>나무열매</a:t>
-            </a:r>
-            <a:r>
-              <a:rPr lang="en-US" altLang="ko-KR" dirty="0">
-                <a:solidFill>
-                  <a:srgbClr val="FF0000"/>
-                </a:solidFill>
-              </a:rPr>
-              <a:t>, </a:t>
-            </a:r>
-            <a:r>
-              <a:rPr lang="ko-KR" altLang="en-US" dirty="0">
-                <a:solidFill>
-                  <a:srgbClr val="FF0000"/>
-                </a:solidFill>
-              </a:rPr>
-              <a:t>고기로 회복한다</a:t>
-            </a:r>
-            <a:r>
-              <a:rPr lang="en-US" altLang="ko-KR" dirty="0">
-                <a:solidFill>
-                  <a:srgbClr val="FF0000"/>
-                </a:solidFill>
-              </a:rPr>
-              <a:t>.</a:t>
-            </a:r>
-          </a:p>
-        </p:txBody>
-      </p:sp>
-      <p:sp>
-        <p:nvSpPr>
-          <p:cNvPr id="28" name="TextBox 27">
-            <a:extLst>
-              <a:ext uri="{FF2B5EF4-FFF2-40B4-BE49-F238E27FC236}">
-                <a16:creationId xmlns:a16="http://schemas.microsoft.com/office/drawing/2014/main" id="{F209297B-71E4-40F7-8B2A-79DB0B324D43}"/>
-              </a:ext>
-            </a:extLst>
-          </p:cNvPr>
-          <p:cNvSpPr txBox="1"/>
-          <p:nvPr/>
-        </p:nvSpPr>
-        <p:spPr>
-          <a:xfrm>
-            <a:off x="7810150" y="4748169"/>
-            <a:ext cx="3808602" cy="923330"/>
-          </a:xfrm>
-          <a:prstGeom prst="rect">
-            <a:avLst/>
-          </a:prstGeom>
-          <a:noFill/>
-        </p:spPr>
-        <p:txBody>
-          <a:bodyPr wrap="square" rtlCol="0">
-            <a:spAutoFit/>
-          </a:bodyPr>
-          <a:lstStyle/>
-          <a:p>
-            <a:r>
-              <a:rPr lang="ko-KR" altLang="en-US" dirty="0">
-                <a:solidFill>
-                  <a:srgbClr val="FF0000"/>
-                </a:solidFill>
-              </a:rPr>
-              <a:t>간단한 무기를 제작</a:t>
-            </a:r>
-            <a:endParaRPr lang="en-US" altLang="ko-KR" dirty="0">
-              <a:solidFill>
-                <a:srgbClr val="FF0000"/>
-              </a:solidFill>
-            </a:endParaRPr>
-          </a:p>
-          <a:p>
-            <a:endParaRPr lang="en-US" altLang="ko-KR" dirty="0">
-              <a:solidFill>
-                <a:srgbClr val="FF0000"/>
-              </a:solidFill>
-            </a:endParaRPr>
-          </a:p>
-          <a:p>
-            <a:r>
-              <a:rPr lang="ko-KR" altLang="en-US" dirty="0">
-                <a:solidFill>
-                  <a:srgbClr val="FF0000"/>
-                </a:solidFill>
-              </a:rPr>
-              <a:t>고기</a:t>
-            </a:r>
-            <a:r>
-              <a:rPr lang="en-US" altLang="ko-KR" dirty="0">
-                <a:solidFill>
-                  <a:srgbClr val="FF0000"/>
-                </a:solidFill>
-              </a:rPr>
-              <a:t>, </a:t>
-            </a:r>
-            <a:r>
-              <a:rPr lang="ko-KR" altLang="en-US" dirty="0">
-                <a:solidFill>
-                  <a:srgbClr val="FF0000"/>
-                </a:solidFill>
-              </a:rPr>
-              <a:t>가죽을 얻을 수 있다</a:t>
-            </a:r>
-            <a:r>
-              <a:rPr lang="en-US" altLang="ko-KR" dirty="0">
-                <a:solidFill>
-                  <a:srgbClr val="FF0000"/>
-                </a:solidFill>
-              </a:rPr>
-              <a:t>.</a:t>
-            </a:r>
-          </a:p>
-        </p:txBody>
-      </p:sp>
-    </p:spTree>
-    <p:extLst>
-      <p:ext uri="{BB962C8B-B14F-4D97-AF65-F5344CB8AC3E}">
-        <p14:creationId xmlns:p14="http://schemas.microsoft.com/office/powerpoint/2010/main" val="3722933169"/>
-      </p:ext>
-    </p:extLst>
-  </p:cSld>
-  <p:clrMapOvr>
-    <a:masterClrMapping/>
-  </p:clrMapOvr>
-  <mc:AlternateContent xmlns:mc="http://schemas.openxmlformats.org/markup-compatibility/2006" xmlns:p14="http://schemas.microsoft.com/office/powerpoint/2010/main">
-    <mc:Choice Requires="p14">
-      <p:transition spd="med" p14:dur="700">
-        <p:fade/>
-      </p:transition>
-    </mc:Choice>
-    <mc:Fallback xmlns="">
-      <p:transition spd="med">
-        <p:fade/>
-      </p:transition>
-    </mc:Fallback>
-  </mc:AlternateContent>
-</p:sld>
-</file>
-
-<file path=ppt/slides/slide5.xml><?xml version="1.0" encoding="utf-8"?>
-<p:sld xmlns:a="http://schemas.openxmlformats.org/drawingml/2006/main" xmlns:r="http://schemas.openxmlformats.org/officeDocument/2006/relationships" xmlns:p="http://schemas.openxmlformats.org/presentationml/2006/main">
-  <p:cSld>
-    <p:spTree>
-      <p:nvGrpSpPr>
-        <p:cNvPr id="1" name=""/>
-        <p:cNvGrpSpPr/>
-        <p:nvPr/>
-      </p:nvGrpSpPr>
-      <p:grpSpPr>
-        <a:xfrm>
-          <a:off x="0" y="0"/>
-          <a:ext cx="0" cy="0"/>
-          <a:chOff x="0" y="0"/>
-          <a:chExt cx="0" cy="0"/>
-        </a:xfrm>
-      </p:grpSpPr>
-      <p:sp>
-        <p:nvSpPr>
-          <p:cNvPr id="2" name="제목 1"/>
-          <p:cNvSpPr>
-            <a:spLocks noGrp="1"/>
-          </p:cNvSpPr>
-          <p:nvPr>
-            <p:ph type="title"/>
-          </p:nvPr>
-        </p:nvSpPr>
-        <p:spPr>
-          <a:xfrm>
-            <a:off x="670000" y="341526"/>
-            <a:ext cx="9509760" cy="648376"/>
-          </a:xfrm>
-        </p:spPr>
-        <p:txBody>
-          <a:bodyPr/>
-          <a:lstStyle/>
-          <a:p>
-            <a:r>
-              <a:rPr lang="ko-KR" altLang="en-US" dirty="0"/>
-              <a:t>게임 흐름 </a:t>
-            </a:r>
-            <a:r>
-              <a:rPr lang="en-US" altLang="ko-KR" dirty="0"/>
-              <a:t>(</a:t>
-            </a:r>
-            <a:r>
-              <a:rPr lang="ko-KR" altLang="en-US" dirty="0"/>
-              <a:t>밤</a:t>
-            </a:r>
-            <a:r>
-              <a:rPr lang="en-US" altLang="ko-KR" dirty="0"/>
-              <a:t>) </a:t>
-            </a:r>
-            <a:r>
-              <a:rPr lang="ko-KR" altLang="en-US" dirty="0"/>
-              <a:t>예시</a:t>
-            </a:r>
-            <a:endParaRPr lang="ko-KR" dirty="0"/>
-          </a:p>
-        </p:txBody>
-      </p:sp>
-      <p:pic>
-        <p:nvPicPr>
-          <p:cNvPr id="4" name="그림 3">
-            <a:extLst>
-              <a:ext uri="{FF2B5EF4-FFF2-40B4-BE49-F238E27FC236}">
-                <a16:creationId xmlns:a16="http://schemas.microsoft.com/office/drawing/2014/main" id="{A5C14390-FB04-468C-849B-977AE77550BD}"/>
-              </a:ext>
-            </a:extLst>
-          </p:cNvPr>
-          <p:cNvPicPr>
-            <a:picLocks noChangeAspect="1"/>
-          </p:cNvPicPr>
-          <p:nvPr/>
-        </p:nvPicPr>
-        <p:blipFill>
-          <a:blip r:embed="rId2">
-            <a:extLst>
-              <a:ext uri="{28A0092B-C50C-407E-A947-70E740481C1C}">
-                <a14:useLocalDpi xmlns:a14="http://schemas.microsoft.com/office/drawing/2010/main" val="0"/>
-              </a:ext>
-            </a:extLst>
-          </a:blip>
-          <a:stretch>
-            <a:fillRect/>
-          </a:stretch>
-        </p:blipFill>
-        <p:spPr>
-          <a:xfrm>
-            <a:off x="10911729" y="6292813"/>
-            <a:ext cx="1280271" cy="312447"/>
-          </a:xfrm>
-          <a:prstGeom prst="rect">
-            <a:avLst/>
-          </a:prstGeom>
-        </p:spPr>
-      </p:pic>
-      <p:pic>
-        <p:nvPicPr>
-          <p:cNvPr id="14" name="내용 개체 틀 13">
-            <a:extLst>
-              <a:ext uri="{FF2B5EF4-FFF2-40B4-BE49-F238E27FC236}">
-                <a16:creationId xmlns:a16="http://schemas.microsoft.com/office/drawing/2014/main" id="{C2B3BBB4-36EC-4685-9F2D-19EA00E6D398}"/>
-              </a:ext>
-            </a:extLst>
-          </p:cNvPr>
-          <p:cNvPicPr>
-            <a:picLocks noGrp="1" noChangeAspect="1"/>
-          </p:cNvPicPr>
-          <p:nvPr>
-            <p:ph idx="1"/>
-          </p:nvPr>
-        </p:nvPicPr>
-        <p:blipFill>
-          <a:blip r:embed="rId3">
-            <a:extLst>
-              <a:ext uri="{28A0092B-C50C-407E-A947-70E740481C1C}">
-                <a14:useLocalDpi xmlns:a14="http://schemas.microsoft.com/office/drawing/2010/main" val="0"/>
-              </a:ext>
-            </a:extLst>
-          </a:blip>
-          <a:stretch>
-            <a:fillRect/>
-          </a:stretch>
-        </p:blipFill>
-        <p:spPr>
-          <a:xfrm>
-            <a:off x="3383345" y="1083649"/>
-            <a:ext cx="5475430" cy="2932197"/>
-          </a:xfrm>
-        </p:spPr>
-      </p:pic>
-      <p:pic>
-        <p:nvPicPr>
-          <p:cNvPr id="15" name="그림 14">
-            <a:extLst>
-              <a:ext uri="{FF2B5EF4-FFF2-40B4-BE49-F238E27FC236}">
-                <a16:creationId xmlns:a16="http://schemas.microsoft.com/office/drawing/2014/main" id="{E3DDC34F-4E20-45FD-A28B-8F62BD107A91}"/>
-              </a:ext>
-            </a:extLst>
-          </p:cNvPr>
-          <p:cNvPicPr>
-            <a:picLocks noChangeAspect="1"/>
-          </p:cNvPicPr>
-          <p:nvPr/>
-        </p:nvPicPr>
-        <p:blipFill>
-          <a:blip r:embed="rId4"/>
-          <a:stretch>
-            <a:fillRect/>
-          </a:stretch>
-        </p:blipFill>
-        <p:spPr>
-          <a:xfrm>
-            <a:off x="5934468" y="2424069"/>
-            <a:ext cx="522595" cy="344298"/>
-          </a:xfrm>
-          <a:prstGeom prst="rect">
-            <a:avLst/>
-          </a:prstGeom>
-        </p:spPr>
-      </p:pic>
-      <p:pic>
-        <p:nvPicPr>
-          <p:cNvPr id="17" name="그림 16">
-            <a:extLst>
-              <a:ext uri="{FF2B5EF4-FFF2-40B4-BE49-F238E27FC236}">
-                <a16:creationId xmlns:a16="http://schemas.microsoft.com/office/drawing/2014/main" id="{37B18195-1A9D-4E50-9711-F30934CC43A9}"/>
-              </a:ext>
-            </a:extLst>
-          </p:cNvPr>
-          <p:cNvPicPr>
-            <a:picLocks noChangeAspect="1"/>
-          </p:cNvPicPr>
-          <p:nvPr/>
-        </p:nvPicPr>
-        <p:blipFill>
-          <a:blip r:embed="rId5">
-            <a:extLst>
-              <a:ext uri="{28A0092B-C50C-407E-A947-70E740481C1C}">
-                <a14:useLocalDpi xmlns:a14="http://schemas.microsoft.com/office/drawing/2010/main" val="0"/>
-              </a:ext>
-            </a:extLst>
-          </a:blip>
-          <a:stretch>
-            <a:fillRect/>
-          </a:stretch>
-        </p:blipFill>
-        <p:spPr>
-          <a:xfrm>
-            <a:off x="3383345" y="1866420"/>
-            <a:ext cx="1700383" cy="381480"/>
-          </a:xfrm>
-          <a:prstGeom prst="rect">
-            <a:avLst/>
-          </a:prstGeom>
-        </p:spPr>
-      </p:pic>
-      <p:sp>
-        <p:nvSpPr>
-          <p:cNvPr id="18" name="TextBox 17">
-            <a:extLst>
-              <a:ext uri="{FF2B5EF4-FFF2-40B4-BE49-F238E27FC236}">
-                <a16:creationId xmlns:a16="http://schemas.microsoft.com/office/drawing/2014/main" id="{4A3E907A-4B91-4984-AFEA-42BAF8113308}"/>
-              </a:ext>
-            </a:extLst>
-          </p:cNvPr>
-          <p:cNvSpPr txBox="1"/>
-          <p:nvPr/>
-        </p:nvSpPr>
-        <p:spPr>
-          <a:xfrm>
-            <a:off x="4954194" y="4039420"/>
-            <a:ext cx="2483141" cy="400110"/>
-          </a:xfrm>
-          <a:prstGeom prst="rect">
-            <a:avLst/>
-          </a:prstGeom>
-          <a:noFill/>
-        </p:spPr>
-        <p:txBody>
-          <a:bodyPr wrap="square" rtlCol="0">
-            <a:spAutoFit/>
-          </a:bodyPr>
-          <a:lstStyle/>
-          <a:p>
-            <a:r>
-              <a:rPr lang="en-US" altLang="ko-KR" sz="2000" dirty="0">
-                <a:effectLst>
-                  <a:outerShdw blurRad="38100" dist="38100" dir="2700000" algn="tl">
-                    <a:srgbClr val="000000">
-                      <a:alpha val="43137"/>
-                    </a:srgbClr>
-                  </a:outerShdw>
-                </a:effectLst>
-              </a:rPr>
-              <a:t>     &lt;  </a:t>
-            </a:r>
-            <a:r>
-              <a:rPr lang="ko-KR" altLang="en-US" sz="2000" dirty="0">
-                <a:effectLst>
-                  <a:outerShdw blurRad="38100" dist="38100" dir="2700000" algn="tl">
-                    <a:srgbClr val="000000">
-                      <a:alpha val="43137"/>
-                    </a:srgbClr>
-                  </a:outerShdw>
-                </a:effectLst>
-              </a:rPr>
-              <a:t>추위 관리 </a:t>
-            </a:r>
-            <a:r>
-              <a:rPr lang="en-US" altLang="ko-KR" sz="2000" dirty="0">
-                <a:effectLst>
-                  <a:outerShdw blurRad="38100" dist="38100" dir="2700000" algn="tl">
-                    <a:srgbClr val="000000">
-                      <a:alpha val="43137"/>
-                    </a:srgbClr>
-                  </a:outerShdw>
-                </a:effectLst>
-              </a:rPr>
-              <a:t>&gt;</a:t>
-            </a:r>
-            <a:endParaRPr lang="ko-KR" altLang="en-US" sz="2000" dirty="0">
-              <a:effectLst>
-                <a:outerShdw blurRad="38100" dist="38100" dir="2700000" algn="tl">
-                  <a:srgbClr val="000000">
-                    <a:alpha val="43137"/>
-                  </a:srgbClr>
-                </a:outerShdw>
-              </a:effectLst>
-            </a:endParaRPr>
-          </a:p>
-        </p:txBody>
-      </p:sp>
-      <p:sp>
-        <p:nvSpPr>
-          <p:cNvPr id="19" name="TextBox 18">
-            <a:extLst>
-              <a:ext uri="{FF2B5EF4-FFF2-40B4-BE49-F238E27FC236}">
-                <a16:creationId xmlns:a16="http://schemas.microsoft.com/office/drawing/2014/main" id="{D9F25425-D27B-42BA-9F50-2E4E7D9F4136}"/>
-              </a:ext>
-            </a:extLst>
-          </p:cNvPr>
-          <p:cNvSpPr txBox="1"/>
-          <p:nvPr/>
-        </p:nvSpPr>
-        <p:spPr>
-          <a:xfrm>
-            <a:off x="2172750" y="4424506"/>
-            <a:ext cx="3775402" cy="1477328"/>
-          </a:xfrm>
-          <a:prstGeom prst="rect">
-            <a:avLst/>
-          </a:prstGeom>
-          <a:noFill/>
-        </p:spPr>
-        <p:txBody>
-          <a:bodyPr wrap="square" rtlCol="0">
-            <a:spAutoFit/>
-          </a:bodyPr>
-          <a:lstStyle/>
-          <a:p>
-            <a:r>
-              <a:rPr lang="ko-KR" altLang="en-US" dirty="0">
-                <a:solidFill>
-                  <a:srgbClr val="FF0000"/>
-                </a:solidFill>
-              </a:rPr>
-              <a:t>플레이어는 체온이 저하되고</a:t>
-            </a:r>
-            <a:endParaRPr lang="en-US" altLang="ko-KR" dirty="0">
-              <a:solidFill>
-                <a:srgbClr val="FF0000"/>
-              </a:solidFill>
-            </a:endParaRPr>
-          </a:p>
-          <a:p>
-            <a:endParaRPr lang="en-US" altLang="ko-KR" dirty="0">
-              <a:solidFill>
-                <a:srgbClr val="FF0000"/>
-              </a:solidFill>
-            </a:endParaRPr>
-          </a:p>
-          <a:p>
-            <a:r>
-              <a:rPr lang="ko-KR" altLang="en-US" dirty="0">
-                <a:solidFill>
-                  <a:srgbClr val="FF0000"/>
-                </a:solidFill>
-              </a:rPr>
-              <a:t>시야가 좁아지며</a:t>
-            </a:r>
-            <a:r>
-              <a:rPr lang="en-US" altLang="ko-KR" dirty="0">
-                <a:solidFill>
-                  <a:srgbClr val="FF0000"/>
-                </a:solidFill>
-              </a:rPr>
-              <a:t>, </a:t>
-            </a:r>
-            <a:r>
-              <a:rPr lang="ko-KR" altLang="en-US" dirty="0">
-                <a:solidFill>
-                  <a:srgbClr val="FF0000"/>
-                </a:solidFill>
-              </a:rPr>
-              <a:t>모닥불 근처에서 </a:t>
-            </a:r>
-            <a:endParaRPr lang="en-US" altLang="ko-KR" dirty="0">
-              <a:solidFill>
-                <a:srgbClr val="FF0000"/>
-              </a:solidFill>
-            </a:endParaRPr>
-          </a:p>
-          <a:p>
-            <a:endParaRPr lang="en-US" altLang="ko-KR" dirty="0">
-              <a:solidFill>
-                <a:srgbClr val="FF0000"/>
-              </a:solidFill>
-            </a:endParaRPr>
-          </a:p>
-          <a:p>
-            <a:r>
-              <a:rPr lang="ko-KR" altLang="en-US" b="1" dirty="0">
-                <a:solidFill>
-                  <a:srgbClr val="FF0000"/>
-                </a:solidFill>
-              </a:rPr>
-              <a:t>시야 확보</a:t>
-            </a:r>
-            <a:r>
-              <a:rPr lang="en-US" altLang="ko-KR" b="1" dirty="0">
-                <a:solidFill>
-                  <a:srgbClr val="FF0000"/>
-                </a:solidFill>
-              </a:rPr>
-              <a:t>, </a:t>
-            </a:r>
-            <a:r>
-              <a:rPr lang="ko-KR" altLang="en-US" b="1" dirty="0">
-                <a:solidFill>
-                  <a:srgbClr val="FF0000"/>
-                </a:solidFill>
-              </a:rPr>
-              <a:t>체온</a:t>
-            </a:r>
-            <a:r>
-              <a:rPr lang="ko-KR" altLang="en-US" dirty="0">
-                <a:solidFill>
-                  <a:srgbClr val="FF0000"/>
-                </a:solidFill>
-              </a:rPr>
-              <a:t> </a:t>
-            </a:r>
-            <a:r>
-              <a:rPr lang="ko-KR" altLang="en-US" b="1" dirty="0">
-                <a:solidFill>
-                  <a:srgbClr val="FF0000"/>
-                </a:solidFill>
-              </a:rPr>
-              <a:t>관리를 </a:t>
-            </a:r>
-            <a:r>
-              <a:rPr lang="ko-KR" altLang="en-US" dirty="0">
-                <a:solidFill>
-                  <a:srgbClr val="FF0000"/>
-                </a:solidFill>
-              </a:rPr>
-              <a:t>할 수 있다</a:t>
-            </a:r>
-            <a:r>
-              <a:rPr lang="en-US" altLang="ko-KR" dirty="0">
-                <a:solidFill>
-                  <a:srgbClr val="FF0000"/>
-                </a:solidFill>
-              </a:rPr>
-              <a:t>.</a:t>
-            </a:r>
-          </a:p>
-        </p:txBody>
-      </p:sp>
-      <p:sp>
-        <p:nvSpPr>
-          <p:cNvPr id="23" name="폭발: 8pt 22">
-            <a:extLst>
-              <a:ext uri="{FF2B5EF4-FFF2-40B4-BE49-F238E27FC236}">
-                <a16:creationId xmlns:a16="http://schemas.microsoft.com/office/drawing/2014/main" id="{F2F1FFBF-1094-4D78-AAF8-E2DFB3AF0A4B}"/>
-              </a:ext>
-            </a:extLst>
-          </p:cNvPr>
-          <p:cNvSpPr/>
-          <p:nvPr/>
-        </p:nvSpPr>
-        <p:spPr>
-          <a:xfrm>
-            <a:off x="6983092" y="5005117"/>
-            <a:ext cx="2484330" cy="1292974"/>
-          </a:xfrm>
-          <a:prstGeom prst="irregularSeal1">
-            <a:avLst/>
-          </a:prstGeom>
-        </p:spPr>
-        <p:style>
-          <a:lnRef idx="2">
-            <a:schemeClr val="accent3">
-              <a:shade val="50000"/>
-            </a:schemeClr>
-          </a:lnRef>
-          <a:fillRef idx="1">
-            <a:schemeClr val="accent3"/>
-          </a:fillRef>
-          <a:effectRef idx="0">
-            <a:schemeClr val="accent3"/>
-          </a:effectRef>
-          <a:fontRef idx="minor">
-            <a:schemeClr val="lt1"/>
-          </a:fontRef>
-        </p:style>
-        <p:txBody>
-          <a:bodyPr rtlCol="0" anchor="ctr"/>
-          <a:lstStyle/>
-          <a:p>
-            <a:pPr algn="ctr"/>
-            <a:r>
-              <a:rPr lang="ko-KR" altLang="en-US" dirty="0"/>
-              <a:t>생존</a:t>
-            </a:r>
-          </a:p>
-        </p:txBody>
-      </p:sp>
-      <p:sp>
-        <p:nvSpPr>
-          <p:cNvPr id="22" name="화살표: 오른쪽 21">
-            <a:extLst>
-              <a:ext uri="{FF2B5EF4-FFF2-40B4-BE49-F238E27FC236}">
-                <a16:creationId xmlns:a16="http://schemas.microsoft.com/office/drawing/2014/main" id="{812A0571-2045-497A-81D6-EFBCA1004AD9}"/>
-              </a:ext>
-            </a:extLst>
-          </p:cNvPr>
-          <p:cNvSpPr/>
-          <p:nvPr/>
-        </p:nvSpPr>
-        <p:spPr>
-          <a:xfrm rot="2700000">
-            <a:off x="6128472" y="4518074"/>
-            <a:ext cx="964734" cy="755009"/>
-          </a:xfrm>
-          <a:prstGeom prst="rightArrow">
-            <a:avLst/>
-          </a:prstGeom>
-          <a:solidFill>
-            <a:schemeClr val="accent3">
-              <a:lumMod val="50000"/>
-            </a:schemeClr>
-          </a:solidFill>
-        </p:spPr>
-        <p:style>
-          <a:lnRef idx="2">
-            <a:schemeClr val="accent1">
-              <a:shade val="50000"/>
-            </a:schemeClr>
-          </a:lnRef>
-          <a:fillRef idx="1">
-            <a:schemeClr val="accent1"/>
-          </a:fillRef>
-          <a:effectRef idx="0">
-            <a:schemeClr val="accent1"/>
-          </a:effectRef>
-          <a:fontRef idx="minor">
-            <a:schemeClr val="lt1"/>
-          </a:fontRef>
-        </p:style>
-        <p:txBody>
-          <a:bodyPr rtlCol="0" anchor="ctr"/>
-          <a:lstStyle/>
-          <a:p>
-            <a:pPr algn="ctr"/>
-            <a:endParaRPr lang="ko-KR" altLang="en-US" dirty="0"/>
-          </a:p>
-        </p:txBody>
-      </p:sp>
-    </p:spTree>
-    <p:extLst>
-      <p:ext uri="{BB962C8B-B14F-4D97-AF65-F5344CB8AC3E}">
-        <p14:creationId xmlns:p14="http://schemas.microsoft.com/office/powerpoint/2010/main" val="2955294098"/>
-      </p:ext>
-    </p:extLst>
-  </p:cSld>
-  <p:clrMapOvr>
-    <a:masterClrMapping/>
-  </p:clrMapOvr>
-  <mc:AlternateContent xmlns:mc="http://schemas.openxmlformats.org/markup-compatibility/2006" xmlns:p14="http://schemas.microsoft.com/office/powerpoint/2010/main">
-    <mc:Choice Requires="p14">
-      <p:transition spd="med" p14:dur="700">
-        <p:fade/>
-      </p:transition>
-    </mc:Choice>
-    <mc:Fallback xmlns="">
-      <p:transition spd="med">
-        <p:fade/>
-      </p:transition>
-    </mc:Fallback>
-  </mc:AlternateContent>
-</p:sld>
-</file>
-
-<file path=ppt/slides/slide6.xml><?xml version="1.0" encoding="utf-8"?>
-<p:sld xmlns:a="http://schemas.openxmlformats.org/drawingml/2006/main" xmlns:r="http://schemas.openxmlformats.org/officeDocument/2006/relationships" xmlns:p="http://schemas.openxmlformats.org/presentationml/2006/main">
-  <p:cSld>
-    <p:spTree>
-      <p:nvGrpSpPr>
-        <p:cNvPr id="1" name=""/>
-        <p:cNvGrpSpPr/>
-        <p:nvPr/>
-      </p:nvGrpSpPr>
-      <p:grpSpPr>
-        <a:xfrm>
-          <a:off x="0" y="0"/>
-          <a:ext cx="0" cy="0"/>
-          <a:chOff x="0" y="0"/>
-          <a:chExt cx="0" cy="0"/>
-        </a:xfrm>
-      </p:grpSpPr>
       <p:pic>
         <p:nvPicPr>
           <p:cNvPr id="6" name="그림 5">
@@ -7061,7 +5643,7 @@
           <p:nvPr>
             <p:extLst>
               <p:ext uri="{D42A27DB-BD31-4B8C-83A1-F6EECF244321}">
-                <p14:modId xmlns:p14="http://schemas.microsoft.com/office/powerpoint/2010/main" val="151969343"/>
+                <p14:modId xmlns:p14="http://schemas.microsoft.com/office/powerpoint/2010/main" val="2007161873"/>
               </p:ext>
             </p:extLst>
           </p:nvPr>
@@ -9101,7 +7683,7 @@
 </p:sld>
 </file>
 
-<file path=ppt/slides/slide7.xml><?xml version="1.0" encoding="utf-8"?>
+<file path=ppt/slides/slide5.xml><?xml version="1.0" encoding="utf-8"?>
 <p:sld xmlns:a="http://schemas.openxmlformats.org/drawingml/2006/main" xmlns:r="http://schemas.openxmlformats.org/officeDocument/2006/relationships" xmlns:p="http://schemas.openxmlformats.org/presentationml/2006/main">
   <p:cSld>
     <p:spTree>
@@ -9130,7 +7712,7 @@
         </p:nvSpPr>
         <p:spPr>
           <a:xfrm>
-            <a:off x="1365246" y="317739"/>
+            <a:off x="1316994" y="27851"/>
             <a:ext cx="9509760" cy="665154"/>
           </a:xfrm>
         </p:spPr>
@@ -9141,7 +7723,7 @@
             <a:pPr algn="ctr"/>
             <a:r>
               <a:rPr lang="ko-KR" altLang="en-US" dirty="0"/>
-              <a:t>개발 일정</a:t>
+              <a:t>개발 계획 대비 현재 진행 상황</a:t>
             </a:r>
             <a:endParaRPr lang="ko-KR" dirty="0"/>
           </a:p>
@@ -9198,14 +7780,14 @@
           <p:nvPr>
             <p:extLst>
               <p:ext uri="{D42A27DB-BD31-4B8C-83A1-F6EECF244321}">
-                <p14:modId xmlns:p14="http://schemas.microsoft.com/office/powerpoint/2010/main" val="4060105040"/>
+                <p14:modId xmlns:p14="http://schemas.microsoft.com/office/powerpoint/2010/main" val="2021778728"/>
               </p:ext>
             </p:extLst>
           </p:nvPr>
         </p:nvGraphicFramePr>
         <p:xfrm>
-          <a:off x="1365246" y="1491452"/>
-          <a:ext cx="9644379" cy="4611350"/>
+          <a:off x="679508" y="693005"/>
+          <a:ext cx="10517449" cy="6165380"/>
         </p:xfrm>
         <a:graphic>
           <a:graphicData uri="http://schemas.openxmlformats.org/drawingml/2006/table">
@@ -9214,21 +7796,21 @@
                 <a:tableStyleId>{5C22544A-7EE6-4342-B048-85BDC9FD1C3A}</a:tableStyleId>
               </a:tblPr>
               <a:tblGrid>
-                <a:gridCol w="2014562">
+                <a:gridCol w="1868632">
                   <a:extLst>
                     <a:ext uri="{9D8B030D-6E8A-4147-A177-3AD203B41FA5}">
                       <a16:colId xmlns:a16="http://schemas.microsoft.com/office/drawing/2014/main" val="1460313747"/>
                     </a:ext>
                   </a:extLst>
                 </a:gridCol>
-                <a:gridCol w="2488557">
+                <a:gridCol w="1619270">
                   <a:extLst>
                     <a:ext uri="{9D8B030D-6E8A-4147-A177-3AD203B41FA5}">
                       <a16:colId xmlns:a16="http://schemas.microsoft.com/office/drawing/2014/main" val="1565113351"/>
                     </a:ext>
                   </a:extLst>
                 </a:gridCol>
-                <a:gridCol w="5141260">
+                <a:gridCol w="7029547">
                   <a:extLst>
                     <a:ext uri="{9D8B030D-6E8A-4147-A177-3AD203B41FA5}">
                       <a16:colId xmlns:a16="http://schemas.microsoft.com/office/drawing/2014/main" val="847731882"/>
@@ -9236,7 +7818,7 @@
                   </a:extLst>
                 </a:gridCol>
               </a:tblGrid>
-              <a:tr h="440025">
+              <a:tr h="282523">
                 <a:tc>
                   <a:txBody>
                     <a:bodyPr/>
@@ -9245,7 +7827,7 @@
                       <a:pPr algn="ctr" latinLnBrk="1"/>
                       <a:r>
                         <a:rPr lang="ko-KR" altLang="en-US" sz="1300" dirty="0"/>
-                        <a:t>일정</a:t>
+                        <a:t>주차</a:t>
                       </a:r>
                     </a:p>
                   </a:txBody>
@@ -9302,10 +7884,7 @@
                     <a:lstStyle/>
                     <a:p>
                       <a:pPr algn="ctr" latinLnBrk="1"/>
-                      <a:r>
-                        <a:rPr lang="ko-KR" altLang="en-US" sz="1300" dirty="0"/>
-                        <a:t>큰 계획</a:t>
-                      </a:r>
+                      <a:endParaRPr lang="ko-KR" altLang="en-US" sz="1300" dirty="0"/>
                     </a:p>
                   </a:txBody>
                   <a:tcPr marL="108499" marR="108499" marT="54250" marB="54250">
@@ -9361,10 +7940,7 @@
                     <a:lstStyle/>
                     <a:p>
                       <a:pPr algn="ctr" latinLnBrk="1"/>
-                      <a:r>
-                        <a:rPr lang="ko-KR" altLang="en-US" sz="1300" dirty="0"/>
-                        <a:t>세부 계획</a:t>
-                      </a:r>
+                      <a:endParaRPr lang="ko-KR" altLang="en-US" sz="1300" dirty="0"/>
                     </a:p>
                   </a:txBody>
                   <a:tcPr marL="108499" marR="108499" marT="54250" marB="54250">
@@ -9420,8 +7996,8 @@
                   </a:ext>
                 </a:extLst>
               </a:tr>
-              <a:tr h="440025">
-                <a:tc>
+              <a:tr h="465074">
+                <a:tc rowSpan="2">
                   <a:txBody>
                     <a:bodyPr/>
                     <a:lstStyle/>
@@ -9492,7 +8068,7 @@
                       <a:pPr latinLnBrk="1"/>
                       <a:r>
                         <a:rPr lang="ko-KR" altLang="en-US" sz="1300" dirty="0"/>
-                        <a:t>리소스 수집과 좌표정리</a:t>
+                        <a:t>기획</a:t>
                       </a:r>
                     </a:p>
                   </a:txBody>
@@ -9624,21 +8200,14 @@
                   </a:ext>
                 </a:extLst>
               </a:tr>
-              <a:tr h="440025">
-                <a:tc>
+              <a:tr h="282523">
+                <a:tc vMerge="1">
                   <a:txBody>
                     <a:bodyPr/>
                     <a:lstStyle/>
                     <a:p>
                       <a:pPr algn="ctr" latinLnBrk="1"/>
-                      <a:r>
-                        <a:rPr lang="en-US" altLang="ko-KR" sz="1300" b="1" dirty="0"/>
-                        <a:t>2</a:t>
-                      </a:r>
-                      <a:r>
-                        <a:rPr lang="ko-KR" altLang="en-US" sz="1300" b="1" dirty="0"/>
-                        <a:t>주차</a:t>
-                      </a:r>
+                      <a:endParaRPr lang="ko-KR" altLang="en-US" sz="1300" b="1" dirty="0"/>
                     </a:p>
                   </a:txBody>
                   <a:tcPr marL="108499" marR="108499" marT="54250" marB="54250">
@@ -9696,13 +8265,219 @@
                       <a:pPr latinLnBrk="1"/>
                       <a:r>
                         <a:rPr lang="ko-KR" altLang="en-US" sz="1300" dirty="0"/>
-                        <a:t>캐릭터 </a:t>
-                      </a:r>
-                      <a:r>
-                        <a:rPr lang="ko-KR" altLang="en-US" sz="1300" dirty="0" err="1"/>
-                        <a:t>오브잭트</a:t>
+                        <a:t>결과</a:t>
+                      </a:r>
+                    </a:p>
+                  </a:txBody>
+                  <a:tcPr marL="108499" marR="108499" marT="54250" marB="54250">
+                    <a:lnL w="19050" cap="flat" cmpd="sng" algn="ctr">
+                      <a:solidFill>
+                        <a:schemeClr val="tx1">
+                          <a:lumMod val="75000"/>
+                        </a:schemeClr>
+                      </a:solidFill>
+                      <a:prstDash val="solid"/>
+                      <a:round/>
+                      <a:headEnd type="none" w="med" len="med"/>
+                      <a:tailEnd type="none" w="med" len="med"/>
+                    </a:lnL>
+                    <a:lnR w="19050" cap="flat" cmpd="sng" algn="ctr">
+                      <a:solidFill>
+                        <a:schemeClr val="tx1">
+                          <a:lumMod val="75000"/>
+                        </a:schemeClr>
+                      </a:solidFill>
+                      <a:prstDash val="solid"/>
+                      <a:round/>
+                      <a:headEnd type="none" w="med" len="med"/>
+                      <a:tailEnd type="none" w="med" len="med"/>
+                    </a:lnR>
+                    <a:lnT w="19050" cap="flat" cmpd="sng" algn="ctr">
+                      <a:solidFill>
+                        <a:schemeClr val="tx1">
+                          <a:lumMod val="75000"/>
+                        </a:schemeClr>
+                      </a:solidFill>
+                      <a:prstDash val="solid"/>
+                      <a:round/>
+                      <a:headEnd type="none" w="med" len="med"/>
+                      <a:tailEnd type="none" w="med" len="med"/>
+                    </a:lnT>
+                    <a:lnB w="19050" cap="flat" cmpd="sng" algn="ctr">
+                      <a:solidFill>
+                        <a:schemeClr val="tx1">
+                          <a:lumMod val="75000"/>
+                        </a:schemeClr>
+                      </a:solidFill>
+                      <a:prstDash val="solid"/>
+                      <a:round/>
+                      <a:headEnd type="none" w="med" len="med"/>
+                      <a:tailEnd type="none" w="med" len="med"/>
+                    </a:lnB>
+                  </a:tcPr>
+                </a:tc>
+                <a:tc>
+                  <a:txBody>
+                    <a:bodyPr/>
+                    <a:lstStyle/>
+                    <a:p>
+                      <a:pPr marL="0" indent="0" latinLnBrk="1">
+                        <a:buNone/>
+                      </a:pPr>
+                      <a:r>
+                        <a:rPr lang="ko-KR" altLang="en-US" sz="1300" dirty="0"/>
+                        <a:t>리소스 수집</a:t>
+                      </a:r>
+                      <a:r>
+                        <a:rPr lang="en-US" altLang="ko-KR" sz="1300" dirty="0"/>
+                        <a:t> </a:t>
+                      </a:r>
+                      <a:r>
+                        <a:rPr lang="ko-KR" altLang="en-US" sz="1300" dirty="0"/>
+                        <a:t>및 제작 툴 사용법 익힘</a:t>
+                      </a:r>
+                      <a:r>
+                        <a:rPr lang="en-US" altLang="ko-KR" sz="1300" dirty="0"/>
+                        <a:t>(tile editor), </a:t>
+                      </a:r>
+                      <a:r>
+                        <a:rPr lang="ko-KR" altLang="en-US" sz="1300" dirty="0"/>
+                        <a:t>숲 맵 제작 </a:t>
+                      </a:r>
+                      <a:r>
+                        <a:rPr lang="en-US" altLang="ko-KR" sz="1300" dirty="0"/>
+                        <a:t>(80%)</a:t>
                       </a:r>
                       <a:endParaRPr lang="ko-KR" altLang="en-US" sz="1300" dirty="0"/>
+                    </a:p>
+                  </a:txBody>
+                  <a:tcPr marL="108499" marR="108499" marT="54250" marB="54250">
+                    <a:lnL w="19050" cap="flat" cmpd="sng" algn="ctr">
+                      <a:solidFill>
+                        <a:schemeClr val="tx1">
+                          <a:lumMod val="75000"/>
+                        </a:schemeClr>
+                      </a:solidFill>
+                      <a:prstDash val="solid"/>
+                      <a:round/>
+                      <a:headEnd type="none" w="med" len="med"/>
+                      <a:tailEnd type="none" w="med" len="med"/>
+                    </a:lnL>
+                    <a:lnR w="19050" cap="flat" cmpd="sng" algn="ctr">
+                      <a:solidFill>
+                        <a:schemeClr val="tx1">
+                          <a:lumMod val="75000"/>
+                        </a:schemeClr>
+                      </a:solidFill>
+                      <a:prstDash val="solid"/>
+                      <a:round/>
+                      <a:headEnd type="none" w="med" len="med"/>
+                      <a:tailEnd type="none" w="med" len="med"/>
+                    </a:lnR>
+                    <a:lnT w="19050" cap="flat" cmpd="sng" algn="ctr">
+                      <a:solidFill>
+                        <a:schemeClr val="tx1">
+                          <a:lumMod val="75000"/>
+                        </a:schemeClr>
+                      </a:solidFill>
+                      <a:prstDash val="solid"/>
+                      <a:round/>
+                      <a:headEnd type="none" w="med" len="med"/>
+                      <a:tailEnd type="none" w="med" len="med"/>
+                    </a:lnT>
+                    <a:lnB w="19050" cap="flat" cmpd="sng" algn="ctr">
+                      <a:solidFill>
+                        <a:schemeClr val="tx1">
+                          <a:lumMod val="75000"/>
+                        </a:schemeClr>
+                      </a:solidFill>
+                      <a:prstDash val="solid"/>
+                      <a:round/>
+                      <a:headEnd type="none" w="med" len="med"/>
+                      <a:tailEnd type="none" w="med" len="med"/>
+                    </a:lnB>
+                  </a:tcPr>
+                </a:tc>
+                <a:extLst>
+                  <a:ext uri="{0D108BD9-81ED-4DB2-BD59-A6C34878D82A}">
+                    <a16:rowId xmlns:a16="http://schemas.microsoft.com/office/drawing/2014/main" val="541462864"/>
+                  </a:ext>
+                </a:extLst>
+              </a:tr>
+              <a:tr h="647624">
+                <a:tc rowSpan="2">
+                  <a:txBody>
+                    <a:bodyPr/>
+                    <a:lstStyle/>
+                    <a:p>
+                      <a:pPr algn="ctr" latinLnBrk="1"/>
+                      <a:r>
+                        <a:rPr lang="en-US" altLang="ko-KR" sz="1300" b="1" dirty="0"/>
+                        <a:t>2</a:t>
+                      </a:r>
+                      <a:r>
+                        <a:rPr lang="ko-KR" altLang="en-US" sz="1300" b="1" dirty="0"/>
+                        <a:t>주차</a:t>
+                      </a:r>
+                    </a:p>
+                  </a:txBody>
+                  <a:tcPr marL="108499" marR="108499" marT="54250" marB="54250">
+                    <a:lnL w="19050" cap="flat" cmpd="sng" algn="ctr">
+                      <a:solidFill>
+                        <a:schemeClr val="tx1">
+                          <a:lumMod val="75000"/>
+                        </a:schemeClr>
+                      </a:solidFill>
+                      <a:prstDash val="solid"/>
+                      <a:round/>
+                      <a:headEnd type="none" w="med" len="med"/>
+                      <a:tailEnd type="none" w="med" len="med"/>
+                    </a:lnL>
+                    <a:lnR w="19050" cap="flat" cmpd="sng" algn="ctr">
+                      <a:solidFill>
+                        <a:schemeClr val="tx1">
+                          <a:lumMod val="75000"/>
+                        </a:schemeClr>
+                      </a:solidFill>
+                      <a:prstDash val="solid"/>
+                      <a:round/>
+                      <a:headEnd type="none" w="med" len="med"/>
+                      <a:tailEnd type="none" w="med" len="med"/>
+                    </a:lnR>
+                    <a:lnT w="19050" cap="flat" cmpd="sng" algn="ctr">
+                      <a:solidFill>
+                        <a:schemeClr val="tx1">
+                          <a:lumMod val="75000"/>
+                        </a:schemeClr>
+                      </a:solidFill>
+                      <a:prstDash val="solid"/>
+                      <a:round/>
+                      <a:headEnd type="none" w="med" len="med"/>
+                      <a:tailEnd type="none" w="med" len="med"/>
+                    </a:lnT>
+                    <a:lnB w="19050" cap="flat" cmpd="sng" algn="ctr">
+                      <a:solidFill>
+                        <a:schemeClr val="tx1">
+                          <a:lumMod val="75000"/>
+                        </a:schemeClr>
+                      </a:solidFill>
+                      <a:prstDash val="solid"/>
+                      <a:round/>
+                      <a:headEnd type="none" w="med" len="med"/>
+                      <a:tailEnd type="none" w="med" len="med"/>
+                    </a:lnB>
+                  </a:tcPr>
+                </a:tc>
+                <a:tc>
+                  <a:txBody>
+                    <a:bodyPr/>
+                    <a:lstStyle/>
+                    <a:p>
+                      <a:pPr latinLnBrk="1"/>
+                      <a:r>
+                        <a:rPr lang="ko-KR" altLang="en-US" sz="1300" dirty="0"/>
+                        <a:t>기획</a:t>
+                      </a:r>
                     </a:p>
                   </a:txBody>
                   <a:tcPr marL="108499" marR="108499" marT="54250" marB="54250">
@@ -9863,21 +8638,14 @@
                   </a:ext>
                 </a:extLst>
               </a:tr>
-              <a:tr h="440025">
-                <a:tc>
+              <a:tr h="647624">
+                <a:tc vMerge="1">
                   <a:txBody>
                     <a:bodyPr/>
                     <a:lstStyle/>
                     <a:p>
                       <a:pPr algn="ctr" latinLnBrk="1"/>
-                      <a:r>
-                        <a:rPr lang="en-US" altLang="ko-KR" sz="1300" b="1" dirty="0"/>
-                        <a:t>3</a:t>
-                      </a:r>
-                      <a:r>
-                        <a:rPr lang="ko-KR" altLang="en-US" sz="1300" b="1" dirty="0"/>
-                        <a:t>주차</a:t>
-                      </a:r>
+                      <a:endParaRPr lang="ko-KR" altLang="en-US" sz="1300" b="1" dirty="0"/>
                     </a:p>
                   </a:txBody>
                   <a:tcPr marL="108499" marR="108499" marT="54250" marB="54250">
@@ -9935,15 +8703,276 @@
                       <a:pPr latinLnBrk="1"/>
                       <a:r>
                         <a:rPr lang="ko-KR" altLang="en-US" sz="1300" dirty="0"/>
-                        <a:t>맵 생성 및 중립 </a:t>
+                        <a:t>결과</a:t>
+                      </a:r>
+                    </a:p>
+                  </a:txBody>
+                  <a:tcPr marL="108499" marR="108499" marT="54250" marB="54250">
+                    <a:lnL w="19050" cap="flat" cmpd="sng" algn="ctr">
+                      <a:solidFill>
+                        <a:schemeClr val="tx1">
+                          <a:lumMod val="75000"/>
+                        </a:schemeClr>
+                      </a:solidFill>
+                      <a:prstDash val="solid"/>
+                      <a:round/>
+                      <a:headEnd type="none" w="med" len="med"/>
+                      <a:tailEnd type="none" w="med" len="med"/>
+                    </a:lnL>
+                    <a:lnR w="19050" cap="flat" cmpd="sng" algn="ctr">
+                      <a:solidFill>
+                        <a:schemeClr val="tx1">
+                          <a:lumMod val="75000"/>
+                        </a:schemeClr>
+                      </a:solidFill>
+                      <a:prstDash val="solid"/>
+                      <a:round/>
+                      <a:headEnd type="none" w="med" len="med"/>
+                      <a:tailEnd type="none" w="med" len="med"/>
+                    </a:lnR>
+                    <a:lnT w="19050" cap="flat" cmpd="sng" algn="ctr">
+                      <a:solidFill>
+                        <a:schemeClr val="tx1">
+                          <a:lumMod val="75000"/>
+                        </a:schemeClr>
+                      </a:solidFill>
+                      <a:prstDash val="solid"/>
+                      <a:round/>
+                      <a:headEnd type="none" w="med" len="med"/>
+                      <a:tailEnd type="none" w="med" len="med"/>
+                    </a:lnT>
+                    <a:lnB w="19050" cap="flat" cmpd="sng" algn="ctr">
+                      <a:solidFill>
+                        <a:schemeClr val="tx1">
+                          <a:lumMod val="75000"/>
+                        </a:schemeClr>
+                      </a:solidFill>
+                      <a:prstDash val="solid"/>
+                      <a:round/>
+                      <a:headEnd type="none" w="med" len="med"/>
+                      <a:tailEnd type="none" w="med" len="med"/>
+                    </a:lnB>
+                  </a:tcPr>
+                </a:tc>
+                <a:tc>
+                  <a:txBody>
+                    <a:bodyPr/>
+                    <a:lstStyle/>
+                    <a:p>
+                      <a:pPr marL="0" indent="0" latinLnBrk="1">
+                        <a:buNone/>
+                      </a:pPr>
+                      <a:r>
+                        <a:rPr lang="ko-KR" altLang="en-US" sz="1300" dirty="0"/>
+                        <a:t>캐릭터의 기본 움직임 구현</a:t>
+                      </a:r>
+                      <a:r>
+                        <a:rPr lang="en-US" altLang="ko-KR" sz="1300" dirty="0"/>
+                        <a:t>(100%)</a:t>
+                      </a:r>
+                    </a:p>
+                    <a:p>
+                      <a:pPr marL="0" indent="0" latinLnBrk="1">
+                        <a:buNone/>
+                      </a:pPr>
+                      <a:r>
+                        <a:rPr lang="ko-KR" altLang="en-US" sz="1300" dirty="0"/>
+                        <a:t>캐릭터의 </a:t>
                       </a:r>
                       <a:r>
                         <a:rPr lang="ko-KR" altLang="en-US" sz="1300" dirty="0" err="1"/>
-                        <a:t>오브잭트</a:t>
+                        <a:t>공격모션</a:t>
                       </a:r>
                       <a:r>
                         <a:rPr lang="ko-KR" altLang="en-US" sz="1300" dirty="0"/>
-                        <a:t> 생성</a:t>
+                        <a:t> </a:t>
+                      </a:r>
+                      <a:r>
+                        <a:rPr lang="en-US" altLang="ko-KR" sz="1300" dirty="0"/>
+                        <a:t>=&gt; </a:t>
+                      </a:r>
+                      <a:r>
+                        <a:rPr lang="ko-KR" altLang="en-US" sz="1300" dirty="0"/>
+                        <a:t>타일 구성을 확실히 한 뒤에 하기로 함</a:t>
+                      </a:r>
+                      <a:r>
+                        <a:rPr lang="en-US" altLang="ko-KR" sz="1300" dirty="0"/>
+                        <a:t>(10%)</a:t>
+                      </a:r>
+                    </a:p>
+                    <a:p>
+                      <a:pPr marL="0" indent="0" latinLnBrk="1">
+                        <a:buNone/>
+                      </a:pPr>
+                      <a:r>
+                        <a:rPr lang="ko-KR" altLang="en-US" sz="1300" dirty="0"/>
+                        <a:t>추위</a:t>
+                      </a:r>
+                      <a:r>
+                        <a:rPr lang="en-US" altLang="ko-KR" sz="1300" dirty="0"/>
+                        <a:t>, </a:t>
+                      </a:r>
+                      <a:r>
+                        <a:rPr lang="ko-KR" altLang="en-US" sz="1300" dirty="0"/>
+                        <a:t>배고픔</a:t>
+                      </a:r>
+                      <a:r>
+                        <a:rPr lang="en-US" altLang="ko-KR" sz="1300" dirty="0"/>
+                        <a:t>, </a:t>
+                      </a:r>
+                      <a:r>
+                        <a:rPr lang="ko-KR" altLang="en-US" sz="1300" dirty="0"/>
+                        <a:t>체력 바 생성</a:t>
+                      </a:r>
+                      <a:r>
+                        <a:rPr lang="en-US" altLang="ko-KR" sz="1300" dirty="0"/>
+                        <a:t>, </a:t>
+                      </a:r>
+                      <a:r>
+                        <a:rPr lang="ko-KR" altLang="en-US" sz="1300" dirty="0"/>
+                        <a:t>반투명한 </a:t>
+                      </a:r>
+                      <a:r>
+                        <a:rPr lang="en-US" altLang="ko-KR" sz="1300" dirty="0" err="1"/>
+                        <a:t>ui</a:t>
+                      </a:r>
+                      <a:r>
+                        <a:rPr lang="ko-KR" altLang="en-US" sz="1300" dirty="0"/>
+                        <a:t>로 생성</a:t>
+                      </a:r>
+                      <a:r>
+                        <a:rPr lang="en-US" altLang="ko-KR" sz="1300" dirty="0"/>
+                        <a:t>(100%)</a:t>
+                      </a:r>
+                      <a:endParaRPr lang="ko-KR" altLang="en-US" sz="1300" dirty="0"/>
+                    </a:p>
+                  </a:txBody>
+                  <a:tcPr marL="108499" marR="108499" marT="54250" marB="54250">
+                    <a:lnL w="19050" cap="flat" cmpd="sng" algn="ctr">
+                      <a:solidFill>
+                        <a:schemeClr val="tx1">
+                          <a:lumMod val="75000"/>
+                        </a:schemeClr>
+                      </a:solidFill>
+                      <a:prstDash val="solid"/>
+                      <a:round/>
+                      <a:headEnd type="none" w="med" len="med"/>
+                      <a:tailEnd type="none" w="med" len="med"/>
+                    </a:lnL>
+                    <a:lnR w="19050" cap="flat" cmpd="sng" algn="ctr">
+                      <a:solidFill>
+                        <a:schemeClr val="tx1">
+                          <a:lumMod val="75000"/>
+                        </a:schemeClr>
+                      </a:solidFill>
+                      <a:prstDash val="solid"/>
+                      <a:round/>
+                      <a:headEnd type="none" w="med" len="med"/>
+                      <a:tailEnd type="none" w="med" len="med"/>
+                    </a:lnR>
+                    <a:lnT w="19050" cap="flat" cmpd="sng" algn="ctr">
+                      <a:solidFill>
+                        <a:schemeClr val="tx1">
+                          <a:lumMod val="75000"/>
+                        </a:schemeClr>
+                      </a:solidFill>
+                      <a:prstDash val="solid"/>
+                      <a:round/>
+                      <a:headEnd type="none" w="med" len="med"/>
+                      <a:tailEnd type="none" w="med" len="med"/>
+                    </a:lnT>
+                    <a:lnB w="19050" cap="flat" cmpd="sng" algn="ctr">
+                      <a:solidFill>
+                        <a:schemeClr val="tx1">
+                          <a:lumMod val="75000"/>
+                        </a:schemeClr>
+                      </a:solidFill>
+                      <a:prstDash val="solid"/>
+                      <a:round/>
+                      <a:headEnd type="none" w="med" len="med"/>
+                      <a:tailEnd type="none" w="med" len="med"/>
+                    </a:lnB>
+                  </a:tcPr>
+                </a:tc>
+                <a:extLst>
+                  <a:ext uri="{0D108BD9-81ED-4DB2-BD59-A6C34878D82A}">
+                    <a16:rowId xmlns:a16="http://schemas.microsoft.com/office/drawing/2014/main" val="1021443746"/>
+                  </a:ext>
+                </a:extLst>
+              </a:tr>
+              <a:tr h="465074">
+                <a:tc rowSpan="2">
+                  <a:txBody>
+                    <a:bodyPr/>
+                    <a:lstStyle/>
+                    <a:p>
+                      <a:pPr algn="ctr" latinLnBrk="1"/>
+                      <a:r>
+                        <a:rPr lang="en-US" altLang="ko-KR" sz="1300" b="1" dirty="0"/>
+                        <a:t>3</a:t>
+                      </a:r>
+                      <a:r>
+                        <a:rPr lang="ko-KR" altLang="en-US" sz="1300" b="1" dirty="0"/>
+                        <a:t>주차</a:t>
+                      </a:r>
+                    </a:p>
+                  </a:txBody>
+                  <a:tcPr marL="108499" marR="108499" marT="54250" marB="54250">
+                    <a:lnL w="19050" cap="flat" cmpd="sng" algn="ctr">
+                      <a:solidFill>
+                        <a:schemeClr val="tx1">
+                          <a:lumMod val="75000"/>
+                        </a:schemeClr>
+                      </a:solidFill>
+                      <a:prstDash val="solid"/>
+                      <a:round/>
+                      <a:headEnd type="none" w="med" len="med"/>
+                      <a:tailEnd type="none" w="med" len="med"/>
+                    </a:lnL>
+                    <a:lnR w="19050" cap="flat" cmpd="sng" algn="ctr">
+                      <a:solidFill>
+                        <a:schemeClr val="tx1">
+                          <a:lumMod val="75000"/>
+                        </a:schemeClr>
+                      </a:solidFill>
+                      <a:prstDash val="solid"/>
+                      <a:round/>
+                      <a:headEnd type="none" w="med" len="med"/>
+                      <a:tailEnd type="none" w="med" len="med"/>
+                    </a:lnR>
+                    <a:lnT w="19050" cap="flat" cmpd="sng" algn="ctr">
+                      <a:solidFill>
+                        <a:schemeClr val="tx1">
+                          <a:lumMod val="75000"/>
+                        </a:schemeClr>
+                      </a:solidFill>
+                      <a:prstDash val="solid"/>
+                      <a:round/>
+                      <a:headEnd type="none" w="med" len="med"/>
+                      <a:tailEnd type="none" w="med" len="med"/>
+                    </a:lnT>
+                    <a:lnB w="19050" cap="flat" cmpd="sng" algn="ctr">
+                      <a:solidFill>
+                        <a:schemeClr val="tx1">
+                          <a:lumMod val="75000"/>
+                        </a:schemeClr>
+                      </a:solidFill>
+                      <a:prstDash val="solid"/>
+                      <a:round/>
+                      <a:headEnd type="none" w="med" len="med"/>
+                      <a:tailEnd type="none" w="med" len="med"/>
+                    </a:lnB>
+                  </a:tcPr>
+                </a:tc>
+                <a:tc>
+                  <a:txBody>
+                    <a:bodyPr/>
+                    <a:lstStyle/>
+                    <a:p>
+                      <a:pPr latinLnBrk="1"/>
+                      <a:r>
+                        <a:rPr lang="ko-KR" altLang="en-US" sz="1300" dirty="0"/>
+                        <a:t>기획</a:t>
                       </a:r>
                     </a:p>
                   </a:txBody>
@@ -10079,21 +9108,14 @@
                   </a:ext>
                 </a:extLst>
               </a:tr>
-              <a:tr h="440025">
-                <a:tc>
+              <a:tr h="465074">
+                <a:tc vMerge="1">
                   <a:txBody>
                     <a:bodyPr/>
                     <a:lstStyle/>
                     <a:p>
                       <a:pPr algn="ctr" latinLnBrk="1"/>
-                      <a:r>
-                        <a:rPr lang="en-US" altLang="ko-KR" sz="1300" b="1" dirty="0"/>
-                        <a:t>4</a:t>
-                      </a:r>
-                      <a:r>
-                        <a:rPr lang="ko-KR" altLang="en-US" sz="1300" b="1" dirty="0"/>
-                        <a:t>주차</a:t>
-                      </a:r>
+                      <a:endParaRPr lang="ko-KR" altLang="en-US" sz="1300" b="1" dirty="0"/>
                     </a:p>
                   </a:txBody>
                   <a:tcPr marL="108499" marR="108499" marT="54250" marB="54250">
@@ -10151,13 +9173,232 @@
                       <a:pPr latinLnBrk="1"/>
                       <a:r>
                         <a:rPr lang="ko-KR" altLang="en-US" sz="1300" dirty="0"/>
-                        <a:t>문제 해결 및 </a:t>
+                        <a:t>결과</a:t>
+                      </a:r>
+                    </a:p>
+                  </a:txBody>
+                  <a:tcPr marL="108499" marR="108499" marT="54250" marB="54250">
+                    <a:lnL w="19050" cap="flat" cmpd="sng" algn="ctr">
+                      <a:solidFill>
+                        <a:schemeClr val="tx1">
+                          <a:lumMod val="75000"/>
+                        </a:schemeClr>
+                      </a:solidFill>
+                      <a:prstDash val="solid"/>
+                      <a:round/>
+                      <a:headEnd type="none" w="med" len="med"/>
+                      <a:tailEnd type="none" w="med" len="med"/>
+                    </a:lnL>
+                    <a:lnR w="19050" cap="flat" cmpd="sng" algn="ctr">
+                      <a:solidFill>
+                        <a:schemeClr val="tx1">
+                          <a:lumMod val="75000"/>
+                        </a:schemeClr>
+                      </a:solidFill>
+                      <a:prstDash val="solid"/>
+                      <a:round/>
+                      <a:headEnd type="none" w="med" len="med"/>
+                      <a:tailEnd type="none" w="med" len="med"/>
+                    </a:lnR>
+                    <a:lnT w="19050" cap="flat" cmpd="sng" algn="ctr">
+                      <a:solidFill>
+                        <a:schemeClr val="tx1">
+                          <a:lumMod val="75000"/>
+                        </a:schemeClr>
+                      </a:solidFill>
+                      <a:prstDash val="solid"/>
+                      <a:round/>
+                      <a:headEnd type="none" w="med" len="med"/>
+                      <a:tailEnd type="none" w="med" len="med"/>
+                    </a:lnT>
+                    <a:lnB w="19050" cap="flat" cmpd="sng" algn="ctr">
+                      <a:solidFill>
+                        <a:schemeClr val="tx1">
+                          <a:lumMod val="75000"/>
+                        </a:schemeClr>
+                      </a:solidFill>
+                      <a:prstDash val="solid"/>
+                      <a:round/>
+                      <a:headEnd type="none" w="med" len="med"/>
+                      <a:tailEnd type="none" w="med" len="med"/>
+                    </a:lnB>
+                  </a:tcPr>
+                </a:tc>
+                <a:tc>
+                  <a:txBody>
+                    <a:bodyPr/>
+                    <a:lstStyle/>
+                    <a:p>
+                      <a:pPr marL="0" indent="0" latinLnBrk="1">
+                        <a:buNone/>
+                      </a:pPr>
+                      <a:r>
+                        <a:rPr lang="ko-KR" altLang="en-US" sz="1300" dirty="0"/>
+                        <a:t>기본적인 중립 </a:t>
                       </a:r>
                       <a:r>
                         <a:rPr lang="ko-KR" altLang="en-US" sz="1300" dirty="0" err="1"/>
-                        <a:t>중간정검</a:t>
+                        <a:t>오브잭트</a:t>
+                      </a:r>
+                      <a:r>
+                        <a:rPr lang="ko-KR" altLang="en-US" sz="1300" dirty="0"/>
+                        <a:t> 배치는 했으나 </a:t>
+                      </a:r>
+                      <a:r>
+                        <a:rPr lang="en-US" altLang="ko-KR" sz="1300" dirty="0" err="1"/>
+                        <a:t>json</a:t>
+                      </a:r>
+                      <a:r>
+                        <a:rPr lang="ko-KR" altLang="en-US" sz="1300" dirty="0"/>
+                        <a:t>으로 시도해서 실패</a:t>
+                      </a:r>
+                      <a:r>
+                        <a:rPr lang="en-US" altLang="ko-KR" sz="1300" dirty="0"/>
+                        <a:t>(20%)</a:t>
+                      </a:r>
+                    </a:p>
+                    <a:p>
+                      <a:pPr marL="0" indent="0" latinLnBrk="1">
+                        <a:buNone/>
+                      </a:pPr>
+                      <a:r>
+                        <a:rPr lang="ko-KR" altLang="en-US" sz="1300" dirty="0"/>
+                        <a:t>타일 기반 맵 생성 완료</a:t>
+                      </a:r>
+                      <a:r>
+                        <a:rPr lang="en-US" altLang="ko-KR" sz="1300" dirty="0"/>
+                        <a:t> (100%)</a:t>
                       </a:r>
                       <a:endParaRPr lang="ko-KR" altLang="en-US" sz="1300" dirty="0"/>
+                    </a:p>
+                  </a:txBody>
+                  <a:tcPr marL="108499" marR="108499" marT="54250" marB="54250">
+                    <a:lnL w="19050" cap="flat" cmpd="sng" algn="ctr">
+                      <a:solidFill>
+                        <a:schemeClr val="tx1">
+                          <a:lumMod val="75000"/>
+                        </a:schemeClr>
+                      </a:solidFill>
+                      <a:prstDash val="solid"/>
+                      <a:round/>
+                      <a:headEnd type="none" w="med" len="med"/>
+                      <a:tailEnd type="none" w="med" len="med"/>
+                    </a:lnL>
+                    <a:lnR w="19050" cap="flat" cmpd="sng" algn="ctr">
+                      <a:solidFill>
+                        <a:schemeClr val="tx1">
+                          <a:lumMod val="75000"/>
+                        </a:schemeClr>
+                      </a:solidFill>
+                      <a:prstDash val="solid"/>
+                      <a:round/>
+                      <a:headEnd type="none" w="med" len="med"/>
+                      <a:tailEnd type="none" w="med" len="med"/>
+                    </a:lnR>
+                    <a:lnT w="19050" cap="flat" cmpd="sng" algn="ctr">
+                      <a:solidFill>
+                        <a:schemeClr val="tx1">
+                          <a:lumMod val="75000"/>
+                        </a:schemeClr>
+                      </a:solidFill>
+                      <a:prstDash val="solid"/>
+                      <a:round/>
+                      <a:headEnd type="none" w="med" len="med"/>
+                      <a:tailEnd type="none" w="med" len="med"/>
+                    </a:lnT>
+                    <a:lnB w="19050" cap="flat" cmpd="sng" algn="ctr">
+                      <a:solidFill>
+                        <a:schemeClr val="tx1">
+                          <a:lumMod val="75000"/>
+                        </a:schemeClr>
+                      </a:solidFill>
+                      <a:prstDash val="solid"/>
+                      <a:round/>
+                      <a:headEnd type="none" w="med" len="med"/>
+                      <a:tailEnd type="none" w="med" len="med"/>
+                    </a:lnB>
+                  </a:tcPr>
+                </a:tc>
+                <a:extLst>
+                  <a:ext uri="{0D108BD9-81ED-4DB2-BD59-A6C34878D82A}">
+                    <a16:rowId xmlns:a16="http://schemas.microsoft.com/office/drawing/2014/main" val="1841262357"/>
+                  </a:ext>
+                </a:extLst>
+              </a:tr>
+              <a:tr h="465074">
+                <a:tc rowSpan="2">
+                  <a:txBody>
+                    <a:bodyPr/>
+                    <a:lstStyle/>
+                    <a:p>
+                      <a:pPr algn="ctr" latinLnBrk="1"/>
+                      <a:r>
+                        <a:rPr lang="en-US" altLang="ko-KR" sz="1300" b="1" dirty="0"/>
+                        <a:t>4</a:t>
+                      </a:r>
+                      <a:r>
+                        <a:rPr lang="ko-KR" altLang="en-US" sz="1300" b="1" dirty="0"/>
+                        <a:t>주차</a:t>
+                      </a:r>
+                    </a:p>
+                  </a:txBody>
+                  <a:tcPr marL="108499" marR="108499" marT="54250" marB="54250">
+                    <a:lnL w="19050" cap="flat" cmpd="sng" algn="ctr">
+                      <a:solidFill>
+                        <a:schemeClr val="tx1">
+                          <a:lumMod val="75000"/>
+                        </a:schemeClr>
+                      </a:solidFill>
+                      <a:prstDash val="solid"/>
+                      <a:round/>
+                      <a:headEnd type="none" w="med" len="med"/>
+                      <a:tailEnd type="none" w="med" len="med"/>
+                    </a:lnL>
+                    <a:lnR w="19050" cap="flat" cmpd="sng" algn="ctr">
+                      <a:solidFill>
+                        <a:schemeClr val="tx1">
+                          <a:lumMod val="75000"/>
+                        </a:schemeClr>
+                      </a:solidFill>
+                      <a:prstDash val="solid"/>
+                      <a:round/>
+                      <a:headEnd type="none" w="med" len="med"/>
+                      <a:tailEnd type="none" w="med" len="med"/>
+                    </a:lnR>
+                    <a:lnT w="19050" cap="flat" cmpd="sng" algn="ctr">
+                      <a:solidFill>
+                        <a:schemeClr val="tx1">
+                          <a:lumMod val="75000"/>
+                        </a:schemeClr>
+                      </a:solidFill>
+                      <a:prstDash val="solid"/>
+                      <a:round/>
+                      <a:headEnd type="none" w="med" len="med"/>
+                      <a:tailEnd type="none" w="med" len="med"/>
+                    </a:lnT>
+                    <a:lnB w="19050" cap="flat" cmpd="sng" algn="ctr">
+                      <a:solidFill>
+                        <a:schemeClr val="tx1">
+                          <a:lumMod val="75000"/>
+                        </a:schemeClr>
+                      </a:solidFill>
+                      <a:prstDash val="solid"/>
+                      <a:round/>
+                      <a:headEnd type="none" w="med" len="med"/>
+                      <a:tailEnd type="none" w="med" len="med"/>
+                    </a:lnB>
+                  </a:tcPr>
+                </a:tc>
+                <a:tc>
+                  <a:txBody>
+                    <a:bodyPr/>
+                    <a:lstStyle/>
+                    <a:p>
+                      <a:pPr latinLnBrk="1"/>
+                      <a:r>
+                        <a:rPr lang="ko-KR" altLang="en-US" sz="1300" dirty="0"/>
+                        <a:t>기획</a:t>
+                      </a:r>
                     </a:p>
                   </a:txBody>
                   <a:tcPr marL="108499" marR="108499" marT="54250" marB="54250">
@@ -10300,21 +9541,14 @@
                   </a:ext>
                 </a:extLst>
               </a:tr>
-              <a:tr h="440025">
-                <a:tc>
+              <a:tr h="282523">
+                <a:tc vMerge="1">
                   <a:txBody>
                     <a:bodyPr/>
                     <a:lstStyle/>
                     <a:p>
-                      <a:pPr algn="ctr"/>
-                      <a:r>
-                        <a:rPr lang="en-US" altLang="ko-KR" sz="1300" b="1" dirty="0"/>
-                        <a:t>5</a:t>
-                      </a:r>
-                      <a:r>
-                        <a:rPr lang="ko-KR" altLang="en-US" sz="1300" b="1" dirty="0"/>
-                        <a:t>주차</a:t>
-                      </a:r>
+                      <a:pPr algn="ctr" latinLnBrk="1"/>
+                      <a:endParaRPr lang="ko-KR" altLang="en-US" sz="1300" b="1" dirty="0"/>
                     </a:p>
                   </a:txBody>
                   <a:tcPr marL="108499" marR="108499" marT="54250" marB="54250">
@@ -10372,7 +9606,214 @@
                       <a:pPr latinLnBrk="1"/>
                       <a:r>
                         <a:rPr lang="ko-KR" altLang="en-US" sz="1300" dirty="0"/>
-                        <a:t>야생동물 생성</a:t>
+                        <a:t>결과</a:t>
+                      </a:r>
+                    </a:p>
+                  </a:txBody>
+                  <a:tcPr marL="108499" marR="108499" marT="54250" marB="54250">
+                    <a:lnL w="19050" cap="flat" cmpd="sng" algn="ctr">
+                      <a:solidFill>
+                        <a:schemeClr val="tx1">
+                          <a:lumMod val="75000"/>
+                        </a:schemeClr>
+                      </a:solidFill>
+                      <a:prstDash val="solid"/>
+                      <a:round/>
+                      <a:headEnd type="none" w="med" len="med"/>
+                      <a:tailEnd type="none" w="med" len="med"/>
+                    </a:lnL>
+                    <a:lnR w="19050" cap="flat" cmpd="sng" algn="ctr">
+                      <a:solidFill>
+                        <a:schemeClr val="tx1">
+                          <a:lumMod val="75000"/>
+                        </a:schemeClr>
+                      </a:solidFill>
+                      <a:prstDash val="solid"/>
+                      <a:round/>
+                      <a:headEnd type="none" w="med" len="med"/>
+                      <a:tailEnd type="none" w="med" len="med"/>
+                    </a:lnR>
+                    <a:lnT w="19050" cap="flat" cmpd="sng" algn="ctr">
+                      <a:solidFill>
+                        <a:schemeClr val="tx1">
+                          <a:lumMod val="75000"/>
+                        </a:schemeClr>
+                      </a:solidFill>
+                      <a:prstDash val="solid"/>
+                      <a:round/>
+                      <a:headEnd type="none" w="med" len="med"/>
+                      <a:tailEnd type="none" w="med" len="med"/>
+                    </a:lnT>
+                    <a:lnB w="19050" cap="flat" cmpd="sng" algn="ctr">
+                      <a:solidFill>
+                        <a:schemeClr val="tx1">
+                          <a:lumMod val="75000"/>
+                        </a:schemeClr>
+                      </a:solidFill>
+                      <a:prstDash val="solid"/>
+                      <a:round/>
+                      <a:headEnd type="none" w="med" len="med"/>
+                      <a:tailEnd type="none" w="med" len="med"/>
+                    </a:lnB>
+                  </a:tcPr>
+                </a:tc>
+                <a:tc>
+                  <a:txBody>
+                    <a:bodyPr/>
+                    <a:lstStyle/>
+                    <a:p>
+                      <a:pPr marL="0" indent="0" latinLnBrk="1">
+                        <a:buNone/>
+                      </a:pPr>
+                      <a:r>
+                        <a:rPr lang="ko-KR" altLang="en-US" sz="1300" dirty="0"/>
+                        <a:t>타일 체크 성공</a:t>
+                      </a:r>
+                      <a:r>
+                        <a:rPr lang="en-US" altLang="ko-KR" sz="1300" dirty="0"/>
+                        <a:t>(100%)  </a:t>
+                      </a:r>
+                      <a:r>
+                        <a:rPr lang="ko-KR" altLang="en-US" sz="1300" dirty="0"/>
+                        <a:t>인벤토리 </a:t>
+                      </a:r>
+                      <a:r>
+                        <a:rPr lang="ko-KR" altLang="en-US" sz="1300" dirty="0" err="1"/>
+                        <a:t>미구현</a:t>
+                      </a:r>
+                      <a:r>
+                        <a:rPr lang="en-US" altLang="ko-KR" sz="1300" dirty="0"/>
+                        <a:t>(5%)</a:t>
+                      </a:r>
+                      <a:endParaRPr lang="ko-KR" altLang="en-US" sz="1300" dirty="0"/>
+                    </a:p>
+                  </a:txBody>
+                  <a:tcPr marL="108499" marR="108499" marT="54250" marB="54250">
+                    <a:lnL w="19050" cap="flat" cmpd="sng" algn="ctr">
+                      <a:solidFill>
+                        <a:schemeClr val="tx1">
+                          <a:lumMod val="75000"/>
+                        </a:schemeClr>
+                      </a:solidFill>
+                      <a:prstDash val="solid"/>
+                      <a:round/>
+                      <a:headEnd type="none" w="med" len="med"/>
+                      <a:tailEnd type="none" w="med" len="med"/>
+                    </a:lnL>
+                    <a:lnR w="19050" cap="flat" cmpd="sng" algn="ctr">
+                      <a:solidFill>
+                        <a:schemeClr val="tx1">
+                          <a:lumMod val="75000"/>
+                        </a:schemeClr>
+                      </a:solidFill>
+                      <a:prstDash val="solid"/>
+                      <a:round/>
+                      <a:headEnd type="none" w="med" len="med"/>
+                      <a:tailEnd type="none" w="med" len="med"/>
+                    </a:lnR>
+                    <a:lnT w="19050" cap="flat" cmpd="sng" algn="ctr">
+                      <a:solidFill>
+                        <a:schemeClr val="tx1">
+                          <a:lumMod val="75000"/>
+                        </a:schemeClr>
+                      </a:solidFill>
+                      <a:prstDash val="solid"/>
+                      <a:round/>
+                      <a:headEnd type="none" w="med" len="med"/>
+                      <a:tailEnd type="none" w="med" len="med"/>
+                    </a:lnT>
+                    <a:lnB w="19050" cap="flat" cmpd="sng" algn="ctr">
+                      <a:solidFill>
+                        <a:schemeClr val="tx1">
+                          <a:lumMod val="75000"/>
+                        </a:schemeClr>
+                      </a:solidFill>
+                      <a:prstDash val="solid"/>
+                      <a:round/>
+                      <a:headEnd type="none" w="med" len="med"/>
+                      <a:tailEnd type="none" w="med" len="med"/>
+                    </a:lnB>
+                  </a:tcPr>
+                </a:tc>
+                <a:extLst>
+                  <a:ext uri="{0D108BD9-81ED-4DB2-BD59-A6C34878D82A}">
+                    <a16:rowId xmlns:a16="http://schemas.microsoft.com/office/drawing/2014/main" val="4188083455"/>
+                  </a:ext>
+                </a:extLst>
+              </a:tr>
+              <a:tr h="465074">
+                <a:tc>
+                  <a:txBody>
+                    <a:bodyPr/>
+                    <a:lstStyle/>
+                    <a:p>
+                      <a:pPr algn="ctr"/>
+                      <a:r>
+                        <a:rPr lang="en-US" altLang="ko-KR" sz="1300" b="1" dirty="0"/>
+                        <a:t>5</a:t>
+                      </a:r>
+                      <a:r>
+                        <a:rPr lang="ko-KR" altLang="en-US" sz="1300" b="1" dirty="0"/>
+                        <a:t>주차</a:t>
+                      </a:r>
+                    </a:p>
+                  </a:txBody>
+                  <a:tcPr marL="108499" marR="108499" marT="54250" marB="54250">
+                    <a:lnL w="19050" cap="flat" cmpd="sng" algn="ctr">
+                      <a:solidFill>
+                        <a:schemeClr val="tx1">
+                          <a:lumMod val="75000"/>
+                        </a:schemeClr>
+                      </a:solidFill>
+                      <a:prstDash val="solid"/>
+                      <a:round/>
+                      <a:headEnd type="none" w="med" len="med"/>
+                      <a:tailEnd type="none" w="med" len="med"/>
+                    </a:lnL>
+                    <a:lnR w="19050" cap="flat" cmpd="sng" algn="ctr">
+                      <a:solidFill>
+                        <a:schemeClr val="tx1">
+                          <a:lumMod val="75000"/>
+                        </a:schemeClr>
+                      </a:solidFill>
+                      <a:prstDash val="solid"/>
+                      <a:round/>
+                      <a:headEnd type="none" w="med" len="med"/>
+                      <a:tailEnd type="none" w="med" len="med"/>
+                    </a:lnR>
+                    <a:lnT w="19050" cap="flat" cmpd="sng" algn="ctr">
+                      <a:solidFill>
+                        <a:schemeClr val="tx1">
+                          <a:lumMod val="75000"/>
+                        </a:schemeClr>
+                      </a:solidFill>
+                      <a:prstDash val="solid"/>
+                      <a:round/>
+                      <a:headEnd type="none" w="med" len="med"/>
+                      <a:tailEnd type="none" w="med" len="med"/>
+                    </a:lnT>
+                    <a:lnB w="19050" cap="flat" cmpd="sng" algn="ctr">
+                      <a:solidFill>
+                        <a:schemeClr val="tx1">
+                          <a:lumMod val="75000"/>
+                        </a:schemeClr>
+                      </a:solidFill>
+                      <a:prstDash val="solid"/>
+                      <a:round/>
+                      <a:headEnd type="none" w="med" len="med"/>
+                      <a:tailEnd type="none" w="med" len="med"/>
+                    </a:lnB>
+                  </a:tcPr>
+                </a:tc>
+                <a:tc>
+                  <a:txBody>
+                    <a:bodyPr/>
+                    <a:lstStyle/>
+                    <a:p>
+                      <a:pPr latinLnBrk="1"/>
+                      <a:r>
+                        <a:rPr lang="ko-KR" altLang="en-US" sz="1300" dirty="0"/>
+                        <a:t>기획</a:t>
                       </a:r>
                     </a:p>
                   </a:txBody>
@@ -10433,9 +9874,12 @@
                       </a:pPr>
                       <a:r>
                         <a:rPr lang="ko-KR" altLang="en-US" sz="1300" dirty="0"/>
-                        <a:t>랜덤 이동</a:t>
-                      </a:r>
-                      <a:endParaRPr lang="en-US" altLang="ko-KR" sz="1300" dirty="0"/>
+                        <a:t>야생동물 랜덤 이동</a:t>
+                      </a:r>
+                      <a:r>
+                        <a:rPr lang="en-US" altLang="ko-KR" sz="1300" dirty="0"/>
+                        <a:t>(0%)</a:t>
+                      </a:r>
                     </a:p>
                     <a:p>
                       <a:pPr marL="342900" indent="-342900" latinLnBrk="1">
@@ -10443,7 +9887,7 @@
                       </a:pPr>
                       <a:r>
                         <a:rPr lang="ko-KR" altLang="en-US" sz="1300" dirty="0"/>
-                        <a:t>캐릭터 추적</a:t>
+                        <a:t>야생동물 캐릭터 추적</a:t>
                       </a:r>
                       <a:r>
                         <a:rPr lang="en-US" altLang="ko-KR" sz="1300" dirty="0"/>
@@ -10453,7 +9897,10 @@
                         <a:rPr lang="ko-KR" altLang="en-US" sz="1300" dirty="0"/>
                         <a:t>공격</a:t>
                       </a:r>
-                      <a:endParaRPr lang="en-US" altLang="ko-KR" sz="1300" dirty="0"/>
+                      <a:r>
+                        <a:rPr lang="en-US" altLang="ko-KR" sz="1300" dirty="0"/>
+                        <a:t>(0%)</a:t>
+                      </a:r>
                     </a:p>
                   </a:txBody>
                   <a:tcPr marL="108499" marR="108499" marT="54250" marB="54250">
@@ -10509,7 +9956,7 @@
                   </a:ext>
                 </a:extLst>
               </a:tr>
-              <a:tr h="440025">
+              <a:tr h="465074">
                 <a:tc>
                   <a:txBody>
                     <a:bodyPr/>
@@ -10581,7 +10028,7 @@
                       <a:pPr latinLnBrk="1"/>
                       <a:r>
                         <a:rPr lang="ko-KR" altLang="en-US" sz="1300" dirty="0"/>
-                        <a:t>밤 구현</a:t>
+                        <a:t>기획</a:t>
                       </a:r>
                     </a:p>
                   </a:txBody>
@@ -10709,7 +10156,7 @@
                   </a:ext>
                 </a:extLst>
               </a:tr>
-              <a:tr h="440025">
+              <a:tr h="465074">
                 <a:tc>
                   <a:txBody>
                     <a:bodyPr/>
@@ -10781,15 +10228,7 @@
                       <a:pPr latinLnBrk="1"/>
                       <a:r>
                         <a:rPr lang="ko-KR" altLang="en-US" sz="1300" dirty="0"/>
-                        <a:t>시작</a:t>
-                      </a:r>
-                      <a:r>
-                        <a:rPr lang="en-US" altLang="ko-KR" sz="1300" dirty="0"/>
-                        <a:t>&amp;</a:t>
-                      </a:r>
-                      <a:r>
-                        <a:rPr lang="ko-KR" altLang="en-US" sz="1300" dirty="0"/>
-                        <a:t>종료 및 밸런스 조절</a:t>
+                        <a:t>기획</a:t>
                       </a:r>
                     </a:p>
                   </a:txBody>
@@ -10926,7 +10365,7 @@
                   </a:ext>
                 </a:extLst>
               </a:tr>
-              <a:tr h="440025">
+              <a:tr h="282523">
                 <a:tc>
                   <a:txBody>
                     <a:bodyPr/>
@@ -10998,7 +10437,7 @@
                       <a:pPr latinLnBrk="1"/>
                       <a:r>
                         <a:rPr lang="ko-KR" altLang="en-US" sz="1300" dirty="0"/>
-                        <a:t>마무리</a:t>
+                        <a:t>기획</a:t>
                       </a:r>
                     </a:p>
                   </a:txBody>
@@ -11143,7 +10582,124 @@
 </p:sld>
 </file>
 
-<file path=ppt/slides/slide8.xml><?xml version="1.0" encoding="utf-8"?>
+<file path=ppt/slides/slide6.xml><?xml version="1.0" encoding="utf-8"?>
+<p:sld xmlns:a="http://schemas.openxmlformats.org/drawingml/2006/main" xmlns:r="http://schemas.openxmlformats.org/officeDocument/2006/relationships" xmlns:p="http://schemas.openxmlformats.org/presentationml/2006/main">
+  <p:cSld>
+    <p:spTree>
+      <p:nvGrpSpPr>
+        <p:cNvPr id="1" name=""/>
+        <p:cNvGrpSpPr/>
+        <p:nvPr/>
+      </p:nvGrpSpPr>
+      <p:grpSpPr>
+        <a:xfrm>
+          <a:off x="0" y="0"/>
+          <a:ext cx="0" cy="0"/>
+          <a:chOff x="0" y="0"/>
+          <a:chExt cx="0" cy="0"/>
+        </a:xfrm>
+      </p:grpSpPr>
+      <p:sp>
+        <p:nvSpPr>
+          <p:cNvPr id="3" name="제목 2">
+            <a:extLst>
+              <a:ext uri="{FF2B5EF4-FFF2-40B4-BE49-F238E27FC236}">
+                <a16:creationId xmlns:a16="http://schemas.microsoft.com/office/drawing/2014/main" id="{56D8B8FA-2A6F-4154-8CA4-268055365C30}"/>
+              </a:ext>
+            </a:extLst>
+          </p:cNvPr>
+          <p:cNvSpPr>
+            <a:spLocks noGrp="1"/>
+          </p:cNvSpPr>
+          <p:nvPr>
+            <p:ph type="title"/>
+          </p:nvPr>
+        </p:nvSpPr>
+        <p:spPr>
+          <a:xfrm>
+            <a:off x="1224793" y="377505"/>
+            <a:ext cx="9509760" cy="668938"/>
+          </a:xfrm>
+        </p:spPr>
+        <p:txBody>
+          <a:bodyPr/>
+          <a:lstStyle/>
+          <a:p>
+            <a:pPr algn="ctr"/>
+            <a:r>
+              <a:rPr lang="en-US" altLang="ko-KR" dirty="0" err="1"/>
+              <a:t>Github</a:t>
+            </a:r>
+            <a:r>
+              <a:rPr lang="en-US" altLang="ko-KR" dirty="0"/>
+              <a:t> Commit</a:t>
+            </a:r>
+            <a:endParaRPr lang="ko-KR" altLang="en-US" dirty="0"/>
+          </a:p>
+        </p:txBody>
+      </p:sp>
+      <p:pic>
+        <p:nvPicPr>
+          <p:cNvPr id="5" name="그림 4">
+            <a:extLst>
+              <a:ext uri="{FF2B5EF4-FFF2-40B4-BE49-F238E27FC236}">
+                <a16:creationId xmlns:a16="http://schemas.microsoft.com/office/drawing/2014/main" id="{EECA1A6B-38D7-4340-BD32-86CAC0104859}"/>
+              </a:ext>
+            </a:extLst>
+          </p:cNvPr>
+          <p:cNvPicPr>
+            <a:picLocks noChangeAspect="1"/>
+          </p:cNvPicPr>
+          <p:nvPr/>
+        </p:nvPicPr>
+        <p:blipFill>
+          <a:blip r:embed="rId2">
+            <a:extLst>
+              <a:ext uri="{28A0092B-C50C-407E-A947-70E740481C1C}">
+                <a14:useLocalDpi xmlns:a14="http://schemas.microsoft.com/office/drawing/2010/main" val="0"/>
+              </a:ext>
+            </a:extLst>
+          </a:blip>
+          <a:stretch>
+            <a:fillRect/>
+          </a:stretch>
+        </p:blipFill>
+        <p:spPr>
+          <a:xfrm>
+            <a:off x="1482892" y="1360028"/>
+            <a:ext cx="8993561" cy="4847071"/>
+          </a:xfrm>
+          <a:prstGeom prst="rect">
+            <a:avLst/>
+          </a:prstGeom>
+        </p:spPr>
+      </p:pic>
+    </p:spTree>
+    <p:extLst>
+      <p:ext uri="{BB962C8B-B14F-4D97-AF65-F5344CB8AC3E}">
+        <p14:creationId xmlns:p14="http://schemas.microsoft.com/office/powerpoint/2010/main" val="1341470884"/>
+      </p:ext>
+    </p:extLst>
+  </p:cSld>
+  <p:clrMapOvr>
+    <a:masterClrMapping/>
+  </p:clrMapOvr>
+  <mc:AlternateContent xmlns:mc="http://schemas.openxmlformats.org/markup-compatibility/2006" xmlns:p14="http://schemas.microsoft.com/office/powerpoint/2010/main">
+    <mc:Choice Requires="p14">
+      <p:transition spd="med" p14:dur="700">
+        <p:fade/>
+      </p:transition>
+    </mc:Choice>
+    <mc:Fallback xmlns="">
+      <p:transition spd="med">
+        <p:fade/>
+      </p:transition>
+    </mc:Fallback>
+  </mc:AlternateContent>
+</p:sld>
+</file>
+
+<file path=ppt/slides/slide7.xml><?xml version="1.0" encoding="utf-8"?>
 <p:sld xmlns:a="http://schemas.openxmlformats.org/drawingml/2006/main" xmlns:r="http://schemas.openxmlformats.org/officeDocument/2006/relationships" xmlns:p="http://schemas.openxmlformats.org/presentationml/2006/main">
   <p:cSld>
     <p:spTree>
@@ -11182,11 +10738,7 @@
           <a:p>
             <a:r>
               <a:rPr lang="ko-KR" altLang="en-US" dirty="0"/>
-              <a:t>감사합니다</a:t>
-            </a:r>
-            <a:r>
-              <a:rPr lang="en-US" altLang="ko-KR" dirty="0"/>
-              <a:t>.</a:t>
+              <a:t>게임 시연</a:t>
             </a:r>
             <a:endParaRPr lang="ko-KR" dirty="0"/>
           </a:p>
@@ -11232,917 +10784,6 @@
     <p:extLst>
       <p:ext uri="{BB962C8B-B14F-4D97-AF65-F5344CB8AC3E}">
         <p14:creationId xmlns:p14="http://schemas.microsoft.com/office/powerpoint/2010/main" val="3152313931"/>
-      </p:ext>
-    </p:extLst>
-  </p:cSld>
-  <p:clrMapOvr>
-    <a:masterClrMapping/>
-  </p:clrMapOvr>
-  <mc:AlternateContent xmlns:mc="http://schemas.openxmlformats.org/markup-compatibility/2006" xmlns:p14="http://schemas.microsoft.com/office/powerpoint/2010/main">
-    <mc:Choice Requires="p14">
-      <p:transition spd="med" p14:dur="700">
-        <p:fade/>
-      </p:transition>
-    </mc:Choice>
-    <mc:Fallback xmlns="">
-      <p:transition spd="med">
-        <p:fade/>
-      </p:transition>
-    </mc:Fallback>
-  </mc:AlternateContent>
-</p:sld>
-</file>
-
-<file path=ppt/slides/slide9.xml><?xml version="1.0" encoding="utf-8"?>
-<p:sld xmlns:a="http://schemas.openxmlformats.org/drawingml/2006/main" xmlns:r="http://schemas.openxmlformats.org/officeDocument/2006/relationships" xmlns:p="http://schemas.openxmlformats.org/presentationml/2006/main">
-  <p:cSld>
-    <p:spTree>
-      <p:nvGrpSpPr>
-        <p:cNvPr id="1" name=""/>
-        <p:cNvGrpSpPr/>
-        <p:nvPr/>
-      </p:nvGrpSpPr>
-      <p:grpSpPr>
-        <a:xfrm>
-          <a:off x="0" y="0"/>
-          <a:ext cx="0" cy="0"/>
-          <a:chOff x="0" y="0"/>
-          <a:chExt cx="0" cy="0"/>
-        </a:xfrm>
-      </p:grpSpPr>
-      <p:graphicFrame>
-        <p:nvGraphicFramePr>
-          <p:cNvPr id="12" name="표 11">
-            <a:extLst>
-              <a:ext uri="{FF2B5EF4-FFF2-40B4-BE49-F238E27FC236}">
-                <a16:creationId xmlns:a16="http://schemas.microsoft.com/office/drawing/2014/main" id="{1F92D96B-9039-46D4-9977-183508FEED44}"/>
-              </a:ext>
-            </a:extLst>
-          </p:cNvPr>
-          <p:cNvGraphicFramePr>
-            <a:graphicFrameLocks noGrp="1"/>
-          </p:cNvGraphicFramePr>
-          <p:nvPr>
-            <p:extLst>
-              <p:ext uri="{D42A27DB-BD31-4B8C-83A1-F6EECF244321}">
-                <p14:modId xmlns:p14="http://schemas.microsoft.com/office/powerpoint/2010/main" val="3493393968"/>
-              </p:ext>
-            </p:extLst>
-          </p:nvPr>
-        </p:nvGraphicFramePr>
-        <p:xfrm>
-          <a:off x="2349094" y="1931290"/>
-          <a:ext cx="7759885" cy="2640150"/>
-        </p:xfrm>
-        <a:graphic>
-          <a:graphicData uri="http://schemas.openxmlformats.org/drawingml/2006/table">
-            <a:tbl>
-              <a:tblPr firstRow="1" bandRow="1">
-                <a:tableStyleId>{5C22544A-7EE6-4342-B048-85BDC9FD1C3A}</a:tableStyleId>
-              </a:tblPr>
-              <a:tblGrid>
-                <a:gridCol w="5035554">
-                  <a:extLst>
-                    <a:ext uri="{9D8B030D-6E8A-4147-A177-3AD203B41FA5}">
-                      <a16:colId xmlns:a16="http://schemas.microsoft.com/office/drawing/2014/main" val="1565113351"/>
-                    </a:ext>
-                  </a:extLst>
-                </a:gridCol>
-                <a:gridCol w="2724331">
-                  <a:extLst>
-                    <a:ext uri="{9D8B030D-6E8A-4147-A177-3AD203B41FA5}">
-                      <a16:colId xmlns:a16="http://schemas.microsoft.com/office/drawing/2014/main" val="847731882"/>
-                    </a:ext>
-                  </a:extLst>
-                </a:gridCol>
-              </a:tblGrid>
-              <a:tr h="440025">
-                <a:tc>
-                  <a:txBody>
-                    <a:bodyPr/>
-                    <a:lstStyle/>
-                    <a:p>
-                      <a:pPr algn="ctr" latinLnBrk="1"/>
-                      <a:r>
-                        <a:rPr lang="ko-KR" altLang="en-US" sz="2100" dirty="0"/>
-                        <a:t>평가 항목</a:t>
-                      </a:r>
-                    </a:p>
-                  </a:txBody>
-                  <a:tcPr marL="108499" marR="108499" marT="54250" marB="54250">
-                    <a:lnL w="19050" cap="flat" cmpd="sng" algn="ctr">
-                      <a:solidFill>
-                        <a:schemeClr val="tx1">
-                          <a:lumMod val="75000"/>
-                        </a:schemeClr>
-                      </a:solidFill>
-                      <a:prstDash val="solid"/>
-                      <a:round/>
-                      <a:headEnd type="none" w="med" len="med"/>
-                      <a:tailEnd type="none" w="med" len="med"/>
-                    </a:lnL>
-                    <a:lnR w="19050" cap="flat" cmpd="sng" algn="ctr">
-                      <a:solidFill>
-                        <a:schemeClr val="tx1">
-                          <a:lumMod val="75000"/>
-                        </a:schemeClr>
-                      </a:solidFill>
-                      <a:prstDash val="solid"/>
-                      <a:round/>
-                      <a:headEnd type="none" w="med" len="med"/>
-                      <a:tailEnd type="none" w="med" len="med"/>
-                    </a:lnR>
-                    <a:lnT w="19050" cap="flat" cmpd="sng" algn="ctr">
-                      <a:solidFill>
-                        <a:schemeClr val="tx1">
-                          <a:lumMod val="75000"/>
-                        </a:schemeClr>
-                      </a:solidFill>
-                      <a:prstDash val="solid"/>
-                      <a:round/>
-                      <a:headEnd type="none" w="med" len="med"/>
-                      <a:tailEnd type="none" w="med" len="med"/>
-                    </a:lnT>
-                    <a:lnB w="19050" cap="flat" cmpd="sng" algn="ctr">
-                      <a:solidFill>
-                        <a:schemeClr val="tx1">
-                          <a:lumMod val="75000"/>
-                        </a:schemeClr>
-                      </a:solidFill>
-                      <a:prstDash val="solid"/>
-                      <a:round/>
-                      <a:headEnd type="none" w="med" len="med"/>
-                      <a:tailEnd type="none" w="med" len="med"/>
-                    </a:lnB>
-                  </a:tcPr>
-                </a:tc>
-                <a:tc>
-                  <a:txBody>
-                    <a:bodyPr/>
-                    <a:lstStyle/>
-                    <a:p>
-                      <a:pPr algn="ctr" latinLnBrk="1"/>
-                      <a:r>
-                        <a:rPr lang="ko-KR" altLang="en-US" sz="2100" dirty="0"/>
-                        <a:t>평가</a:t>
-                      </a:r>
-                    </a:p>
-                  </a:txBody>
-                  <a:tcPr marL="108499" marR="108499" marT="54250" marB="54250">
-                    <a:lnL w="19050" cap="flat" cmpd="sng" algn="ctr">
-                      <a:solidFill>
-                        <a:schemeClr val="tx1">
-                          <a:lumMod val="75000"/>
-                        </a:schemeClr>
-                      </a:solidFill>
-                      <a:prstDash val="solid"/>
-                      <a:round/>
-                      <a:headEnd type="none" w="med" len="med"/>
-                      <a:tailEnd type="none" w="med" len="med"/>
-                    </a:lnL>
-                    <a:lnR w="19050" cap="flat" cmpd="sng" algn="ctr">
-                      <a:solidFill>
-                        <a:schemeClr val="tx1">
-                          <a:lumMod val="75000"/>
-                        </a:schemeClr>
-                      </a:solidFill>
-                      <a:prstDash val="solid"/>
-                      <a:round/>
-                      <a:headEnd type="none" w="med" len="med"/>
-                      <a:tailEnd type="none" w="med" len="med"/>
-                    </a:lnR>
-                    <a:lnT w="19050" cap="flat" cmpd="sng" algn="ctr">
-                      <a:solidFill>
-                        <a:schemeClr val="tx1">
-                          <a:lumMod val="75000"/>
-                        </a:schemeClr>
-                      </a:solidFill>
-                      <a:prstDash val="solid"/>
-                      <a:round/>
-                      <a:headEnd type="none" w="med" len="med"/>
-                      <a:tailEnd type="none" w="med" len="med"/>
-                    </a:lnT>
-                    <a:lnB w="19050" cap="flat" cmpd="sng" algn="ctr">
-                      <a:solidFill>
-                        <a:schemeClr val="tx1">
-                          <a:lumMod val="75000"/>
-                        </a:schemeClr>
-                      </a:solidFill>
-                      <a:prstDash val="solid"/>
-                      <a:round/>
-                      <a:headEnd type="none" w="med" len="med"/>
-                      <a:tailEnd type="none" w="med" len="med"/>
-                    </a:lnB>
-                  </a:tcPr>
-                </a:tc>
-                <a:extLst>
-                  <a:ext uri="{0D108BD9-81ED-4DB2-BD59-A6C34878D82A}">
-                    <a16:rowId xmlns:a16="http://schemas.microsoft.com/office/drawing/2014/main" val="2170856326"/>
-                  </a:ext>
-                </a:extLst>
-              </a:tr>
-              <a:tr h="440025">
-                <a:tc>
-                  <a:txBody>
-                    <a:bodyPr/>
-                    <a:lstStyle/>
-                    <a:p>
-                      <a:pPr latinLnBrk="1"/>
-                      <a:r>
-                        <a:rPr lang="ko-KR" altLang="en-US" sz="2100" dirty="0" err="1"/>
-                        <a:t>게임컨셉이</a:t>
-                      </a:r>
-                      <a:r>
-                        <a:rPr lang="ko-KR" altLang="en-US" sz="2100" dirty="0"/>
-                        <a:t> 잘 표현되었는가</a:t>
-                      </a:r>
-                      <a:r>
-                        <a:rPr lang="en-US" altLang="ko-KR" sz="2100" dirty="0"/>
-                        <a:t>?</a:t>
-                      </a:r>
-                      <a:endParaRPr lang="ko-KR" altLang="en-US" sz="2100" dirty="0"/>
-                    </a:p>
-                  </a:txBody>
-                  <a:tcPr marL="108499" marR="108499" marT="54250" marB="54250">
-                    <a:lnL w="19050" cap="flat" cmpd="sng" algn="ctr">
-                      <a:solidFill>
-                        <a:schemeClr val="tx1">
-                          <a:lumMod val="75000"/>
-                        </a:schemeClr>
-                      </a:solidFill>
-                      <a:prstDash val="solid"/>
-                      <a:round/>
-                      <a:headEnd type="none" w="med" len="med"/>
-                      <a:tailEnd type="none" w="med" len="med"/>
-                    </a:lnL>
-                    <a:lnR w="19050" cap="flat" cmpd="sng" algn="ctr">
-                      <a:solidFill>
-                        <a:schemeClr val="tx1">
-                          <a:lumMod val="75000"/>
-                        </a:schemeClr>
-                      </a:solidFill>
-                      <a:prstDash val="solid"/>
-                      <a:round/>
-                      <a:headEnd type="none" w="med" len="med"/>
-                      <a:tailEnd type="none" w="med" len="med"/>
-                    </a:lnR>
-                    <a:lnT w="19050" cap="flat" cmpd="sng" algn="ctr">
-                      <a:solidFill>
-                        <a:schemeClr val="tx1">
-                          <a:lumMod val="75000"/>
-                        </a:schemeClr>
-                      </a:solidFill>
-                      <a:prstDash val="solid"/>
-                      <a:round/>
-                      <a:headEnd type="none" w="med" len="med"/>
-                      <a:tailEnd type="none" w="med" len="med"/>
-                    </a:lnT>
-                    <a:lnB w="19050" cap="flat" cmpd="sng" algn="ctr">
-                      <a:solidFill>
-                        <a:schemeClr val="tx1">
-                          <a:lumMod val="75000"/>
-                        </a:schemeClr>
-                      </a:solidFill>
-                      <a:prstDash val="solid"/>
-                      <a:round/>
-                      <a:headEnd type="none" w="med" len="med"/>
-                      <a:tailEnd type="none" w="med" len="med"/>
-                    </a:lnB>
-                  </a:tcPr>
-                </a:tc>
-                <a:tc>
-                  <a:txBody>
-                    <a:bodyPr/>
-                    <a:lstStyle/>
-                    <a:p>
-                      <a:pPr algn="ctr" latinLnBrk="1"/>
-                      <a:r>
-                        <a:rPr lang="en-US" altLang="ko-KR" sz="2100" dirty="0"/>
-                        <a:t>A</a:t>
-                      </a:r>
-                      <a:endParaRPr lang="ko-KR" altLang="en-US" sz="2100" dirty="0"/>
-                    </a:p>
-                  </a:txBody>
-                  <a:tcPr marL="108499" marR="108499" marT="54250" marB="54250">
-                    <a:lnL w="19050" cap="flat" cmpd="sng" algn="ctr">
-                      <a:solidFill>
-                        <a:schemeClr val="tx1">
-                          <a:lumMod val="75000"/>
-                        </a:schemeClr>
-                      </a:solidFill>
-                      <a:prstDash val="solid"/>
-                      <a:round/>
-                      <a:headEnd type="none" w="med" len="med"/>
-                      <a:tailEnd type="none" w="med" len="med"/>
-                    </a:lnL>
-                    <a:lnR w="19050" cap="flat" cmpd="sng" algn="ctr">
-                      <a:solidFill>
-                        <a:schemeClr val="tx1">
-                          <a:lumMod val="75000"/>
-                        </a:schemeClr>
-                      </a:solidFill>
-                      <a:prstDash val="solid"/>
-                      <a:round/>
-                      <a:headEnd type="none" w="med" len="med"/>
-                      <a:tailEnd type="none" w="med" len="med"/>
-                    </a:lnR>
-                    <a:lnT w="19050" cap="flat" cmpd="sng" algn="ctr">
-                      <a:solidFill>
-                        <a:schemeClr val="tx1">
-                          <a:lumMod val="75000"/>
-                        </a:schemeClr>
-                      </a:solidFill>
-                      <a:prstDash val="solid"/>
-                      <a:round/>
-                      <a:headEnd type="none" w="med" len="med"/>
-                      <a:tailEnd type="none" w="med" len="med"/>
-                    </a:lnT>
-                    <a:lnB w="19050" cap="flat" cmpd="sng" algn="ctr">
-                      <a:solidFill>
-                        <a:schemeClr val="tx1">
-                          <a:lumMod val="75000"/>
-                        </a:schemeClr>
-                      </a:solidFill>
-                      <a:prstDash val="solid"/>
-                      <a:round/>
-                      <a:headEnd type="none" w="med" len="med"/>
-                      <a:tailEnd type="none" w="med" len="med"/>
-                    </a:lnB>
-                  </a:tcPr>
-                </a:tc>
-                <a:extLst>
-                  <a:ext uri="{0D108BD9-81ED-4DB2-BD59-A6C34878D82A}">
-                    <a16:rowId xmlns:a16="http://schemas.microsoft.com/office/drawing/2014/main" val="1441953336"/>
-                  </a:ext>
-                </a:extLst>
-              </a:tr>
-              <a:tr h="440025">
-                <a:tc>
-                  <a:txBody>
-                    <a:bodyPr/>
-                    <a:lstStyle/>
-                    <a:p>
-                      <a:pPr latinLnBrk="1"/>
-                      <a:r>
-                        <a:rPr lang="ko-KR" altLang="en-US" sz="2100" dirty="0"/>
-                        <a:t>게임 핵심 메카닉이 제시가 잘 되었는가</a:t>
-                      </a:r>
-                      <a:r>
-                        <a:rPr lang="en-US" altLang="ko-KR" sz="2100" dirty="0"/>
-                        <a:t>?</a:t>
-                      </a:r>
-                      <a:endParaRPr lang="ko-KR" altLang="en-US" sz="2100" dirty="0"/>
-                    </a:p>
-                  </a:txBody>
-                  <a:tcPr marL="108499" marR="108499" marT="54250" marB="54250">
-                    <a:lnL w="19050" cap="flat" cmpd="sng" algn="ctr">
-                      <a:solidFill>
-                        <a:schemeClr val="tx1">
-                          <a:lumMod val="75000"/>
-                        </a:schemeClr>
-                      </a:solidFill>
-                      <a:prstDash val="solid"/>
-                      <a:round/>
-                      <a:headEnd type="none" w="med" len="med"/>
-                      <a:tailEnd type="none" w="med" len="med"/>
-                    </a:lnL>
-                    <a:lnR w="19050" cap="flat" cmpd="sng" algn="ctr">
-                      <a:solidFill>
-                        <a:schemeClr val="tx1">
-                          <a:lumMod val="75000"/>
-                        </a:schemeClr>
-                      </a:solidFill>
-                      <a:prstDash val="solid"/>
-                      <a:round/>
-                      <a:headEnd type="none" w="med" len="med"/>
-                      <a:tailEnd type="none" w="med" len="med"/>
-                    </a:lnR>
-                    <a:lnT w="19050" cap="flat" cmpd="sng" algn="ctr">
-                      <a:solidFill>
-                        <a:schemeClr val="tx1">
-                          <a:lumMod val="75000"/>
-                        </a:schemeClr>
-                      </a:solidFill>
-                      <a:prstDash val="solid"/>
-                      <a:round/>
-                      <a:headEnd type="none" w="med" len="med"/>
-                      <a:tailEnd type="none" w="med" len="med"/>
-                    </a:lnT>
-                    <a:lnB w="19050" cap="flat" cmpd="sng" algn="ctr">
-                      <a:solidFill>
-                        <a:schemeClr val="tx1">
-                          <a:lumMod val="75000"/>
-                        </a:schemeClr>
-                      </a:solidFill>
-                      <a:prstDash val="solid"/>
-                      <a:round/>
-                      <a:headEnd type="none" w="med" len="med"/>
-                      <a:tailEnd type="none" w="med" len="med"/>
-                    </a:lnB>
-                  </a:tcPr>
-                </a:tc>
-                <a:tc>
-                  <a:txBody>
-                    <a:bodyPr/>
-                    <a:lstStyle/>
-                    <a:p>
-                      <a:pPr algn="ctr" latinLnBrk="1"/>
-                      <a:r>
-                        <a:rPr lang="en-US" altLang="ko-KR" sz="2100" dirty="0"/>
-                        <a:t>B</a:t>
-                      </a:r>
-                      <a:endParaRPr lang="ko-KR" altLang="en-US" sz="2100" dirty="0"/>
-                    </a:p>
-                  </a:txBody>
-                  <a:tcPr marL="108499" marR="108499" marT="54250" marB="54250">
-                    <a:lnL w="19050" cap="flat" cmpd="sng" algn="ctr">
-                      <a:solidFill>
-                        <a:schemeClr val="tx1">
-                          <a:lumMod val="75000"/>
-                        </a:schemeClr>
-                      </a:solidFill>
-                      <a:prstDash val="solid"/>
-                      <a:round/>
-                      <a:headEnd type="none" w="med" len="med"/>
-                      <a:tailEnd type="none" w="med" len="med"/>
-                    </a:lnL>
-                    <a:lnR w="19050" cap="flat" cmpd="sng" algn="ctr">
-                      <a:solidFill>
-                        <a:schemeClr val="tx1">
-                          <a:lumMod val="75000"/>
-                        </a:schemeClr>
-                      </a:solidFill>
-                      <a:prstDash val="solid"/>
-                      <a:round/>
-                      <a:headEnd type="none" w="med" len="med"/>
-                      <a:tailEnd type="none" w="med" len="med"/>
-                    </a:lnR>
-                    <a:lnT w="19050" cap="flat" cmpd="sng" algn="ctr">
-                      <a:solidFill>
-                        <a:schemeClr val="tx1">
-                          <a:lumMod val="75000"/>
-                        </a:schemeClr>
-                      </a:solidFill>
-                      <a:prstDash val="solid"/>
-                      <a:round/>
-                      <a:headEnd type="none" w="med" len="med"/>
-                      <a:tailEnd type="none" w="med" len="med"/>
-                    </a:lnT>
-                    <a:lnB w="19050" cap="flat" cmpd="sng" algn="ctr">
-                      <a:solidFill>
-                        <a:schemeClr val="tx1">
-                          <a:lumMod val="75000"/>
-                        </a:schemeClr>
-                      </a:solidFill>
-                      <a:prstDash val="solid"/>
-                      <a:round/>
-                      <a:headEnd type="none" w="med" len="med"/>
-                      <a:tailEnd type="none" w="med" len="med"/>
-                    </a:lnB>
-                  </a:tcPr>
-                </a:tc>
-                <a:extLst>
-                  <a:ext uri="{0D108BD9-81ED-4DB2-BD59-A6C34878D82A}">
-                    <a16:rowId xmlns:a16="http://schemas.microsoft.com/office/drawing/2014/main" val="2675916300"/>
-                  </a:ext>
-                </a:extLst>
-              </a:tr>
-              <a:tr h="440025">
-                <a:tc>
-                  <a:txBody>
-                    <a:bodyPr/>
-                    <a:lstStyle/>
-                    <a:p>
-                      <a:pPr latinLnBrk="1"/>
-                      <a:r>
-                        <a:rPr lang="ko-KR" altLang="en-US" sz="2100" dirty="0"/>
-                        <a:t>게임 실행 흐름이 잘 표현되었는가</a:t>
-                      </a:r>
-                      <a:r>
-                        <a:rPr lang="en-US" altLang="ko-KR" sz="2100" dirty="0"/>
-                        <a:t>?</a:t>
-                      </a:r>
-                      <a:endParaRPr lang="ko-KR" altLang="en-US" sz="2100" dirty="0"/>
-                    </a:p>
-                  </a:txBody>
-                  <a:tcPr marL="108499" marR="108499" marT="54250" marB="54250">
-                    <a:lnL w="19050" cap="flat" cmpd="sng" algn="ctr">
-                      <a:solidFill>
-                        <a:schemeClr val="tx1">
-                          <a:lumMod val="75000"/>
-                        </a:schemeClr>
-                      </a:solidFill>
-                      <a:prstDash val="solid"/>
-                      <a:round/>
-                      <a:headEnd type="none" w="med" len="med"/>
-                      <a:tailEnd type="none" w="med" len="med"/>
-                    </a:lnL>
-                    <a:lnR w="19050" cap="flat" cmpd="sng" algn="ctr">
-                      <a:solidFill>
-                        <a:schemeClr val="tx1">
-                          <a:lumMod val="75000"/>
-                        </a:schemeClr>
-                      </a:solidFill>
-                      <a:prstDash val="solid"/>
-                      <a:round/>
-                      <a:headEnd type="none" w="med" len="med"/>
-                      <a:tailEnd type="none" w="med" len="med"/>
-                    </a:lnR>
-                    <a:lnT w="19050" cap="flat" cmpd="sng" algn="ctr">
-                      <a:solidFill>
-                        <a:schemeClr val="tx1">
-                          <a:lumMod val="75000"/>
-                        </a:schemeClr>
-                      </a:solidFill>
-                      <a:prstDash val="solid"/>
-                      <a:round/>
-                      <a:headEnd type="none" w="med" len="med"/>
-                      <a:tailEnd type="none" w="med" len="med"/>
-                    </a:lnT>
-                    <a:lnB w="19050" cap="flat" cmpd="sng" algn="ctr">
-                      <a:solidFill>
-                        <a:schemeClr val="tx1">
-                          <a:lumMod val="75000"/>
-                        </a:schemeClr>
-                      </a:solidFill>
-                      <a:prstDash val="solid"/>
-                      <a:round/>
-                      <a:headEnd type="none" w="med" len="med"/>
-                      <a:tailEnd type="none" w="med" len="med"/>
-                    </a:lnB>
-                  </a:tcPr>
-                </a:tc>
-                <a:tc>
-                  <a:txBody>
-                    <a:bodyPr/>
-                    <a:lstStyle/>
-                    <a:p>
-                      <a:pPr algn="ctr" latinLnBrk="1"/>
-                      <a:r>
-                        <a:rPr lang="en-US" altLang="ko-KR" sz="2100" dirty="0"/>
-                        <a:t>B</a:t>
-                      </a:r>
-                      <a:endParaRPr lang="ko-KR" altLang="en-US" sz="2100" dirty="0"/>
-                    </a:p>
-                  </a:txBody>
-                  <a:tcPr marL="108499" marR="108499" marT="54250" marB="54250">
-                    <a:lnL w="19050" cap="flat" cmpd="sng" algn="ctr">
-                      <a:solidFill>
-                        <a:schemeClr val="tx1">
-                          <a:lumMod val="75000"/>
-                        </a:schemeClr>
-                      </a:solidFill>
-                      <a:prstDash val="solid"/>
-                      <a:round/>
-                      <a:headEnd type="none" w="med" len="med"/>
-                      <a:tailEnd type="none" w="med" len="med"/>
-                    </a:lnL>
-                    <a:lnR w="19050" cap="flat" cmpd="sng" algn="ctr">
-                      <a:solidFill>
-                        <a:schemeClr val="tx1">
-                          <a:lumMod val="75000"/>
-                        </a:schemeClr>
-                      </a:solidFill>
-                      <a:prstDash val="solid"/>
-                      <a:round/>
-                      <a:headEnd type="none" w="med" len="med"/>
-                      <a:tailEnd type="none" w="med" len="med"/>
-                    </a:lnR>
-                    <a:lnT w="19050" cap="flat" cmpd="sng" algn="ctr">
-                      <a:solidFill>
-                        <a:schemeClr val="tx1">
-                          <a:lumMod val="75000"/>
-                        </a:schemeClr>
-                      </a:solidFill>
-                      <a:prstDash val="solid"/>
-                      <a:round/>
-                      <a:headEnd type="none" w="med" len="med"/>
-                      <a:tailEnd type="none" w="med" len="med"/>
-                    </a:lnT>
-                    <a:lnB w="19050" cap="flat" cmpd="sng" algn="ctr">
-                      <a:solidFill>
-                        <a:schemeClr val="tx1">
-                          <a:lumMod val="75000"/>
-                        </a:schemeClr>
-                      </a:solidFill>
-                      <a:prstDash val="solid"/>
-                      <a:round/>
-                      <a:headEnd type="none" w="med" len="med"/>
-                      <a:tailEnd type="none" w="med" len="med"/>
-                    </a:lnB>
-                  </a:tcPr>
-                </a:tc>
-                <a:extLst>
-                  <a:ext uri="{0D108BD9-81ED-4DB2-BD59-A6C34878D82A}">
-                    <a16:rowId xmlns:a16="http://schemas.microsoft.com/office/drawing/2014/main" val="2207077881"/>
-                  </a:ext>
-                </a:extLst>
-              </a:tr>
-              <a:tr h="440025">
-                <a:tc>
-                  <a:txBody>
-                    <a:bodyPr/>
-                    <a:lstStyle/>
-                    <a:p>
-                      <a:pPr latinLnBrk="1"/>
-                      <a:r>
-                        <a:rPr lang="ko-KR" altLang="en-US" sz="2100" dirty="0"/>
-                        <a:t>개발범위가 구체적이며 측정 가능한가</a:t>
-                      </a:r>
-                      <a:r>
-                        <a:rPr lang="en-US" altLang="ko-KR" sz="2100" dirty="0"/>
-                        <a:t>?</a:t>
-                      </a:r>
-                      <a:endParaRPr lang="ko-KR" altLang="en-US" sz="2100" dirty="0"/>
-                    </a:p>
-                  </a:txBody>
-                  <a:tcPr marL="108499" marR="108499" marT="54250" marB="54250">
-                    <a:lnL w="19050" cap="flat" cmpd="sng" algn="ctr">
-                      <a:solidFill>
-                        <a:schemeClr val="tx1">
-                          <a:lumMod val="75000"/>
-                        </a:schemeClr>
-                      </a:solidFill>
-                      <a:prstDash val="solid"/>
-                      <a:round/>
-                      <a:headEnd type="none" w="med" len="med"/>
-                      <a:tailEnd type="none" w="med" len="med"/>
-                    </a:lnL>
-                    <a:lnR w="19050" cap="flat" cmpd="sng" algn="ctr">
-                      <a:solidFill>
-                        <a:schemeClr val="tx1">
-                          <a:lumMod val="75000"/>
-                        </a:schemeClr>
-                      </a:solidFill>
-                      <a:prstDash val="solid"/>
-                      <a:round/>
-                      <a:headEnd type="none" w="med" len="med"/>
-                      <a:tailEnd type="none" w="med" len="med"/>
-                    </a:lnR>
-                    <a:lnT w="19050" cap="flat" cmpd="sng" algn="ctr">
-                      <a:solidFill>
-                        <a:schemeClr val="tx1">
-                          <a:lumMod val="75000"/>
-                        </a:schemeClr>
-                      </a:solidFill>
-                      <a:prstDash val="solid"/>
-                      <a:round/>
-                      <a:headEnd type="none" w="med" len="med"/>
-                      <a:tailEnd type="none" w="med" len="med"/>
-                    </a:lnT>
-                    <a:lnB w="19050" cap="flat" cmpd="sng" algn="ctr">
-                      <a:solidFill>
-                        <a:schemeClr val="tx1">
-                          <a:lumMod val="75000"/>
-                        </a:schemeClr>
-                      </a:solidFill>
-                      <a:prstDash val="solid"/>
-                      <a:round/>
-                      <a:headEnd type="none" w="med" len="med"/>
-                      <a:tailEnd type="none" w="med" len="med"/>
-                    </a:lnB>
-                  </a:tcPr>
-                </a:tc>
-                <a:tc>
-                  <a:txBody>
-                    <a:bodyPr/>
-                    <a:lstStyle/>
-                    <a:p>
-                      <a:pPr algn="ctr" latinLnBrk="1"/>
-                      <a:r>
-                        <a:rPr lang="en-US" altLang="ko-KR" sz="2100" dirty="0"/>
-                        <a:t>B</a:t>
-                      </a:r>
-                      <a:endParaRPr lang="ko-KR" altLang="en-US" sz="2100" dirty="0"/>
-                    </a:p>
-                  </a:txBody>
-                  <a:tcPr marL="108499" marR="108499" marT="54250" marB="54250">
-                    <a:lnL w="19050" cap="flat" cmpd="sng" algn="ctr">
-                      <a:solidFill>
-                        <a:schemeClr val="tx1">
-                          <a:lumMod val="75000"/>
-                        </a:schemeClr>
-                      </a:solidFill>
-                      <a:prstDash val="solid"/>
-                      <a:round/>
-                      <a:headEnd type="none" w="med" len="med"/>
-                      <a:tailEnd type="none" w="med" len="med"/>
-                    </a:lnL>
-                    <a:lnR w="19050" cap="flat" cmpd="sng" algn="ctr">
-                      <a:solidFill>
-                        <a:schemeClr val="tx1">
-                          <a:lumMod val="75000"/>
-                        </a:schemeClr>
-                      </a:solidFill>
-                      <a:prstDash val="solid"/>
-                      <a:round/>
-                      <a:headEnd type="none" w="med" len="med"/>
-                      <a:tailEnd type="none" w="med" len="med"/>
-                    </a:lnR>
-                    <a:lnT w="19050" cap="flat" cmpd="sng" algn="ctr">
-                      <a:solidFill>
-                        <a:schemeClr val="tx1">
-                          <a:lumMod val="75000"/>
-                        </a:schemeClr>
-                      </a:solidFill>
-                      <a:prstDash val="solid"/>
-                      <a:round/>
-                      <a:headEnd type="none" w="med" len="med"/>
-                      <a:tailEnd type="none" w="med" len="med"/>
-                    </a:lnT>
-                    <a:lnB w="19050" cap="flat" cmpd="sng" algn="ctr">
-                      <a:solidFill>
-                        <a:schemeClr val="tx1">
-                          <a:lumMod val="75000"/>
-                        </a:schemeClr>
-                      </a:solidFill>
-                      <a:prstDash val="solid"/>
-                      <a:round/>
-                      <a:headEnd type="none" w="med" len="med"/>
-                      <a:tailEnd type="none" w="med" len="med"/>
-                    </a:lnB>
-                  </a:tcPr>
-                </a:tc>
-                <a:extLst>
-                  <a:ext uri="{0D108BD9-81ED-4DB2-BD59-A6C34878D82A}">
-                    <a16:rowId xmlns:a16="http://schemas.microsoft.com/office/drawing/2014/main" val="3821724710"/>
-                  </a:ext>
-                </a:extLst>
-              </a:tr>
-              <a:tr h="440025">
-                <a:tc>
-                  <a:txBody>
-                    <a:bodyPr/>
-                    <a:lstStyle/>
-                    <a:p>
-                      <a:pPr latinLnBrk="1"/>
-                      <a:r>
-                        <a:rPr lang="ko-KR" altLang="en-US" sz="2100" dirty="0"/>
-                        <a:t>계발계획이 구체적이며 실행 가능한가</a:t>
-                      </a:r>
-                      <a:r>
-                        <a:rPr lang="en-US" altLang="ko-KR" sz="2100" dirty="0"/>
-                        <a:t>?</a:t>
-                      </a:r>
-                      <a:endParaRPr lang="ko-KR" altLang="en-US" sz="2100" dirty="0"/>
-                    </a:p>
-                  </a:txBody>
-                  <a:tcPr marL="108499" marR="108499" marT="54250" marB="54250">
-                    <a:lnL w="19050" cap="flat" cmpd="sng" algn="ctr">
-                      <a:solidFill>
-                        <a:schemeClr val="tx1">
-                          <a:lumMod val="75000"/>
-                        </a:schemeClr>
-                      </a:solidFill>
-                      <a:prstDash val="solid"/>
-                      <a:round/>
-                      <a:headEnd type="none" w="med" len="med"/>
-                      <a:tailEnd type="none" w="med" len="med"/>
-                    </a:lnL>
-                    <a:lnR w="19050" cap="flat" cmpd="sng" algn="ctr">
-                      <a:solidFill>
-                        <a:schemeClr val="tx1">
-                          <a:lumMod val="75000"/>
-                        </a:schemeClr>
-                      </a:solidFill>
-                      <a:prstDash val="solid"/>
-                      <a:round/>
-                      <a:headEnd type="none" w="med" len="med"/>
-                      <a:tailEnd type="none" w="med" len="med"/>
-                    </a:lnR>
-                    <a:lnT w="19050" cap="flat" cmpd="sng" algn="ctr">
-                      <a:solidFill>
-                        <a:schemeClr val="tx1">
-                          <a:lumMod val="75000"/>
-                        </a:schemeClr>
-                      </a:solidFill>
-                      <a:prstDash val="solid"/>
-                      <a:round/>
-                      <a:headEnd type="none" w="med" len="med"/>
-                      <a:tailEnd type="none" w="med" len="med"/>
-                    </a:lnT>
-                    <a:lnB w="19050" cap="flat" cmpd="sng" algn="ctr">
-                      <a:solidFill>
-                        <a:schemeClr val="tx1">
-                          <a:lumMod val="75000"/>
-                        </a:schemeClr>
-                      </a:solidFill>
-                      <a:prstDash val="solid"/>
-                      <a:round/>
-                      <a:headEnd type="none" w="med" len="med"/>
-                      <a:tailEnd type="none" w="med" len="med"/>
-                    </a:lnB>
-                  </a:tcPr>
-                </a:tc>
-                <a:tc>
-                  <a:txBody>
-                    <a:bodyPr/>
-                    <a:lstStyle/>
-                    <a:p>
-                      <a:pPr algn="ctr" latinLnBrk="1"/>
-                      <a:r>
-                        <a:rPr lang="en-US" altLang="ko-KR" sz="2100" dirty="0"/>
-                        <a:t>A</a:t>
-                      </a:r>
-                      <a:endParaRPr lang="ko-KR" altLang="en-US" sz="2100" dirty="0"/>
-                    </a:p>
-                  </a:txBody>
-                  <a:tcPr marL="108499" marR="108499" marT="54250" marB="54250">
-                    <a:lnL w="19050" cap="flat" cmpd="sng" algn="ctr">
-                      <a:solidFill>
-                        <a:schemeClr val="tx1">
-                          <a:lumMod val="75000"/>
-                        </a:schemeClr>
-                      </a:solidFill>
-                      <a:prstDash val="solid"/>
-                      <a:round/>
-                      <a:headEnd type="none" w="med" len="med"/>
-                      <a:tailEnd type="none" w="med" len="med"/>
-                    </a:lnL>
-                    <a:lnR w="19050" cap="flat" cmpd="sng" algn="ctr">
-                      <a:solidFill>
-                        <a:schemeClr val="tx1">
-                          <a:lumMod val="75000"/>
-                        </a:schemeClr>
-                      </a:solidFill>
-                      <a:prstDash val="solid"/>
-                      <a:round/>
-                      <a:headEnd type="none" w="med" len="med"/>
-                      <a:tailEnd type="none" w="med" len="med"/>
-                    </a:lnR>
-                    <a:lnT w="19050" cap="flat" cmpd="sng" algn="ctr">
-                      <a:solidFill>
-                        <a:schemeClr val="tx1">
-                          <a:lumMod val="75000"/>
-                        </a:schemeClr>
-                      </a:solidFill>
-                      <a:prstDash val="solid"/>
-                      <a:round/>
-                      <a:headEnd type="none" w="med" len="med"/>
-                      <a:tailEnd type="none" w="med" len="med"/>
-                    </a:lnT>
-                    <a:lnB w="19050" cap="flat" cmpd="sng" algn="ctr">
-                      <a:solidFill>
-                        <a:schemeClr val="tx1">
-                          <a:lumMod val="75000"/>
-                        </a:schemeClr>
-                      </a:solidFill>
-                      <a:prstDash val="solid"/>
-                      <a:round/>
-                      <a:headEnd type="none" w="med" len="med"/>
-                      <a:tailEnd type="none" w="med" len="med"/>
-                    </a:lnB>
-                  </a:tcPr>
-                </a:tc>
-                <a:extLst>
-                  <a:ext uri="{0D108BD9-81ED-4DB2-BD59-A6C34878D82A}">
-                    <a16:rowId xmlns:a16="http://schemas.microsoft.com/office/drawing/2014/main" val="985932880"/>
-                  </a:ext>
-                </a:extLst>
-              </a:tr>
-            </a:tbl>
-          </a:graphicData>
-        </a:graphic>
-      </p:graphicFrame>
-      <p:sp>
-        <p:nvSpPr>
-          <p:cNvPr id="13" name="제목 1">
-            <a:extLst>
-              <a:ext uri="{FF2B5EF4-FFF2-40B4-BE49-F238E27FC236}">
-                <a16:creationId xmlns:a16="http://schemas.microsoft.com/office/drawing/2014/main" id="{E7A6DFFA-62D9-42AE-B073-1BFD4B2926C7}"/>
-              </a:ext>
-            </a:extLst>
-          </p:cNvPr>
-          <p:cNvSpPr>
-            <a:spLocks noGrp="1"/>
-          </p:cNvSpPr>
-          <p:nvPr>
-            <p:ph type="title"/>
-          </p:nvPr>
-        </p:nvSpPr>
-        <p:spPr>
-          <a:xfrm>
-            <a:off x="1365246" y="313175"/>
-            <a:ext cx="9509760" cy="665154"/>
-          </a:xfrm>
-        </p:spPr>
-        <p:txBody>
-          <a:bodyPr/>
-          <a:lstStyle/>
-          <a:p>
-            <a:pPr algn="ctr"/>
-            <a:r>
-              <a:rPr lang="ko-KR" altLang="en-US" dirty="0"/>
-              <a:t>자체 평가</a:t>
-            </a:r>
-            <a:endParaRPr lang="ko-KR" dirty="0"/>
-          </a:p>
-        </p:txBody>
-      </p:sp>
-    </p:spTree>
-    <p:extLst>
-      <p:ext uri="{BB962C8B-B14F-4D97-AF65-F5344CB8AC3E}">
-        <p14:creationId xmlns:p14="http://schemas.microsoft.com/office/powerpoint/2010/main" val="1341470884"/>
       </p:ext>
     </p:extLst>
   </p:cSld>
